--- a/1219Report_UturnMPC/1219Report.pptx
+++ b/1219Report_UturnMPC/1219Report.pptx
@@ -7,16 +7,17 @@
   <p:sldIdLst>
     <p:sldId id="256" r:id="rId2"/>
     <p:sldId id="257" r:id="rId3"/>
-    <p:sldId id="258" r:id="rId4"/>
-    <p:sldId id="259" r:id="rId5"/>
-    <p:sldId id="262" r:id="rId6"/>
-    <p:sldId id="264" r:id="rId7"/>
-    <p:sldId id="266" r:id="rId8"/>
-    <p:sldId id="265" r:id="rId9"/>
-    <p:sldId id="263" r:id="rId10"/>
-    <p:sldId id="267" r:id="rId11"/>
-    <p:sldId id="268" r:id="rId12"/>
-    <p:sldId id="269" r:id="rId13"/>
+    <p:sldId id="270" r:id="rId4"/>
+    <p:sldId id="258" r:id="rId5"/>
+    <p:sldId id="259" r:id="rId6"/>
+    <p:sldId id="262" r:id="rId7"/>
+    <p:sldId id="264" r:id="rId8"/>
+    <p:sldId id="266" r:id="rId9"/>
+    <p:sldId id="265" r:id="rId10"/>
+    <p:sldId id="263" r:id="rId11"/>
+    <p:sldId id="267" r:id="rId12"/>
+    <p:sldId id="268" r:id="rId13"/>
+    <p:sldId id="269" r:id="rId14"/>
   </p:sldIdLst>
   <p:sldSz cx="12192000" cy="6858000"/>
   <p:notesSz cx="6858000" cy="9144000"/>
@@ -270,7 +271,7 @@
           <a:p>
             <a:fld id="{44A6F60C-8ECA-46FC-B0F1-FB4D13C31334}" type="datetimeFigureOut">
               <a:rPr lang="ko-KR" altLang="en-US" smtClean="0"/>
-              <a:t>2023-12-23</a:t>
+              <a:t>2023-12-24</a:t>
             </a:fld>
             <a:endParaRPr lang="ko-KR" altLang="en-US"/>
           </a:p>
@@ -468,7 +469,7 @@
           <a:p>
             <a:fld id="{44A6F60C-8ECA-46FC-B0F1-FB4D13C31334}" type="datetimeFigureOut">
               <a:rPr lang="ko-KR" altLang="en-US" smtClean="0"/>
-              <a:t>2023-12-23</a:t>
+              <a:t>2023-12-24</a:t>
             </a:fld>
             <a:endParaRPr lang="ko-KR" altLang="en-US"/>
           </a:p>
@@ -676,7 +677,7 @@
           <a:p>
             <a:fld id="{44A6F60C-8ECA-46FC-B0F1-FB4D13C31334}" type="datetimeFigureOut">
               <a:rPr lang="ko-KR" altLang="en-US" smtClean="0"/>
-              <a:t>2023-12-23</a:t>
+              <a:t>2023-12-24</a:t>
             </a:fld>
             <a:endParaRPr lang="ko-KR" altLang="en-US"/>
           </a:p>
@@ -908,7 +909,7 @@
           <a:p>
             <a:fld id="{44A6F60C-8ECA-46FC-B0F1-FB4D13C31334}" type="datetimeFigureOut">
               <a:rPr lang="ko-KR" altLang="en-US" smtClean="0"/>
-              <a:t>2023-12-23</a:t>
+              <a:t>2023-12-24</a:t>
             </a:fld>
             <a:endParaRPr lang="ko-KR" altLang="en-US"/>
           </a:p>
@@ -1226,7 +1227,7 @@
           <a:p>
             <a:fld id="{44A6F60C-8ECA-46FC-B0F1-FB4D13C31334}" type="datetimeFigureOut">
               <a:rPr lang="ko-KR" altLang="en-US" smtClean="0"/>
-              <a:t>2023-12-23</a:t>
+              <a:t>2023-12-24</a:t>
             </a:fld>
             <a:endParaRPr lang="ko-KR" altLang="en-US"/>
           </a:p>
@@ -1491,7 +1492,7 @@
           <a:p>
             <a:fld id="{44A6F60C-8ECA-46FC-B0F1-FB4D13C31334}" type="datetimeFigureOut">
               <a:rPr lang="ko-KR" altLang="en-US" smtClean="0"/>
-              <a:t>2023-12-23</a:t>
+              <a:t>2023-12-24</a:t>
             </a:fld>
             <a:endParaRPr lang="ko-KR" altLang="en-US"/>
           </a:p>
@@ -1903,7 +1904,7 @@
           <a:p>
             <a:fld id="{44A6F60C-8ECA-46FC-B0F1-FB4D13C31334}" type="datetimeFigureOut">
               <a:rPr lang="ko-KR" altLang="en-US" smtClean="0"/>
-              <a:t>2023-12-23</a:t>
+              <a:t>2023-12-24</a:t>
             </a:fld>
             <a:endParaRPr lang="ko-KR" altLang="en-US"/>
           </a:p>
@@ -2044,7 +2045,7 @@
           <a:p>
             <a:fld id="{44A6F60C-8ECA-46FC-B0F1-FB4D13C31334}" type="datetimeFigureOut">
               <a:rPr lang="ko-KR" altLang="en-US" smtClean="0"/>
-              <a:t>2023-12-23</a:t>
+              <a:t>2023-12-24</a:t>
             </a:fld>
             <a:endParaRPr lang="ko-KR" altLang="en-US"/>
           </a:p>
@@ -2157,7 +2158,7 @@
           <a:p>
             <a:fld id="{44A6F60C-8ECA-46FC-B0F1-FB4D13C31334}" type="datetimeFigureOut">
               <a:rPr lang="ko-KR" altLang="en-US" smtClean="0"/>
-              <a:t>2023-12-23</a:t>
+              <a:t>2023-12-24</a:t>
             </a:fld>
             <a:endParaRPr lang="ko-KR" altLang="en-US"/>
           </a:p>
@@ -2468,7 +2469,7 @@
           <a:p>
             <a:fld id="{44A6F60C-8ECA-46FC-B0F1-FB4D13C31334}" type="datetimeFigureOut">
               <a:rPr lang="ko-KR" altLang="en-US" smtClean="0"/>
-              <a:t>2023-12-23</a:t>
+              <a:t>2023-12-24</a:t>
             </a:fld>
             <a:endParaRPr lang="ko-KR" altLang="en-US"/>
           </a:p>
@@ -2756,7 +2757,7 @@
           <a:p>
             <a:fld id="{44A6F60C-8ECA-46FC-B0F1-FB4D13C31334}" type="datetimeFigureOut">
               <a:rPr lang="ko-KR" altLang="en-US" smtClean="0"/>
-              <a:t>2023-12-23</a:t>
+              <a:t>2023-12-24</a:t>
             </a:fld>
             <a:endParaRPr lang="ko-KR" altLang="en-US"/>
           </a:p>
@@ -2997,7 +2998,7 @@
           <a:p>
             <a:fld id="{44A6F60C-8ECA-46FC-B0F1-FB4D13C31334}" type="datetimeFigureOut">
               <a:rPr lang="ko-KR" altLang="en-US" smtClean="0"/>
-              <a:t>2023-12-23</a:t>
+              <a:t>2023-12-24</a:t>
             </a:fld>
             <a:endParaRPr lang="ko-KR" altLang="en-US"/>
           </a:p>
@@ -3503,6 +3504,809 @@
           <p:cNvPr id="2" name="제목 1">
             <a:extLst>
               <a:ext uri="{FF2B5EF4-FFF2-40B4-BE49-F238E27FC236}">
+                <a16:creationId xmlns:a16="http://schemas.microsoft.com/office/drawing/2014/main" id="{53C45EBD-9EC1-4337-D5EA-376E687D6258}"/>
+              </a:ext>
+            </a:extLst>
+          </p:cNvPr>
+          <p:cNvSpPr>
+            <a:spLocks noGrp="1"/>
+          </p:cNvSpPr>
+          <p:nvPr>
+            <p:ph type="title"/>
+          </p:nvPr>
+        </p:nvSpPr>
+        <p:spPr/>
+        <p:txBody>
+          <a:bodyPr/>
+          <a:lstStyle/>
+          <a:p>
+            <a:r>
+              <a:rPr lang="en-US" altLang="ko-KR" dirty="0"/>
+              <a:t>TOTAL</a:t>
+            </a:r>
+            <a:endParaRPr lang="ko-KR" altLang="en-US" dirty="0"/>
+          </a:p>
+        </p:txBody>
+      </p:sp>
+      <p:graphicFrame>
+        <p:nvGraphicFramePr>
+          <p:cNvPr id="4" name="표 3">
+            <a:extLst>
+              <a:ext uri="{FF2B5EF4-FFF2-40B4-BE49-F238E27FC236}">
+                <a16:creationId xmlns:a16="http://schemas.microsoft.com/office/drawing/2014/main" id="{49778459-9BDF-AE39-A62B-807C14C7D55D}"/>
+              </a:ext>
+            </a:extLst>
+          </p:cNvPr>
+          <p:cNvGraphicFramePr>
+            <a:graphicFrameLocks noGrp="1"/>
+          </p:cNvGraphicFramePr>
+          <p:nvPr>
+            <p:extLst>
+              <p:ext uri="{D42A27DB-BD31-4B8C-83A1-F6EECF244321}">
+                <p14:modId xmlns:p14="http://schemas.microsoft.com/office/powerpoint/2010/main" val="2535732114"/>
+              </p:ext>
+            </p:extLst>
+          </p:nvPr>
+        </p:nvGraphicFramePr>
+        <p:xfrm>
+          <a:off x="1073684" y="1329403"/>
+          <a:ext cx="9586451" cy="1200203"/>
+        </p:xfrm>
+        <a:graphic>
+          <a:graphicData uri="http://schemas.openxmlformats.org/drawingml/2006/table">
+            <a:tbl>
+              <a:tblPr firstRow="1" bandRow="1">
+                <a:tableStyleId>{073A0DAA-6AF3-43AB-8588-CEC1D06C72B9}</a:tableStyleId>
+              </a:tblPr>
+              <a:tblGrid>
+                <a:gridCol w="1369493">
+                  <a:extLst>
+                    <a:ext uri="{9D8B030D-6E8A-4147-A177-3AD203B41FA5}">
+                      <a16:colId xmlns:a16="http://schemas.microsoft.com/office/drawing/2014/main" val="620353911"/>
+                    </a:ext>
+                  </a:extLst>
+                </a:gridCol>
+                <a:gridCol w="1369493">
+                  <a:extLst>
+                    <a:ext uri="{9D8B030D-6E8A-4147-A177-3AD203B41FA5}">
+                      <a16:colId xmlns:a16="http://schemas.microsoft.com/office/drawing/2014/main" val="587391845"/>
+                    </a:ext>
+                  </a:extLst>
+                </a:gridCol>
+                <a:gridCol w="1369493">
+                  <a:extLst>
+                    <a:ext uri="{9D8B030D-6E8A-4147-A177-3AD203B41FA5}">
+                      <a16:colId xmlns:a16="http://schemas.microsoft.com/office/drawing/2014/main" val="2397005817"/>
+                    </a:ext>
+                  </a:extLst>
+                </a:gridCol>
+                <a:gridCol w="1369493">
+                  <a:extLst>
+                    <a:ext uri="{9D8B030D-6E8A-4147-A177-3AD203B41FA5}">
+                      <a16:colId xmlns:a16="http://schemas.microsoft.com/office/drawing/2014/main" val="2977948428"/>
+                    </a:ext>
+                  </a:extLst>
+                </a:gridCol>
+                <a:gridCol w="1369493">
+                  <a:extLst>
+                    <a:ext uri="{9D8B030D-6E8A-4147-A177-3AD203B41FA5}">
+                      <a16:colId xmlns:a16="http://schemas.microsoft.com/office/drawing/2014/main" val="373563084"/>
+                    </a:ext>
+                  </a:extLst>
+                </a:gridCol>
+                <a:gridCol w="1369493">
+                  <a:extLst>
+                    <a:ext uri="{9D8B030D-6E8A-4147-A177-3AD203B41FA5}">
+                      <a16:colId xmlns:a16="http://schemas.microsoft.com/office/drawing/2014/main" val="2290863836"/>
+                    </a:ext>
+                  </a:extLst>
+                </a:gridCol>
+                <a:gridCol w="1369493">
+                  <a:extLst>
+                    <a:ext uri="{9D8B030D-6E8A-4147-A177-3AD203B41FA5}">
+                      <a16:colId xmlns:a16="http://schemas.microsoft.com/office/drawing/2014/main" val="631225338"/>
+                    </a:ext>
+                  </a:extLst>
+                </a:gridCol>
+              </a:tblGrid>
+              <a:tr h="445823">
+                <a:tc>
+                  <a:txBody>
+                    <a:bodyPr/>
+                    <a:lstStyle/>
+                    <a:p>
+                      <a:pPr latinLnBrk="1"/>
+                      <a:r>
+                        <a:rPr lang="en-US" altLang="ko-KR" sz="1000" b="0" dirty="0"/>
+                        <a:t>Name</a:t>
+                      </a:r>
+                      <a:endParaRPr lang="ko-KR" altLang="en-US" sz="1000" b="0" dirty="0">
+                        <a:latin typeface="+mn-lt"/>
+                      </a:endParaRPr>
+                    </a:p>
+                  </a:txBody>
+                  <a:tcPr/>
+                </a:tc>
+                <a:tc>
+                  <a:txBody>
+                    <a:bodyPr/>
+                    <a:lstStyle/>
+                    <a:p>
+                      <a:pPr latinLnBrk="1"/>
+                      <a:r>
+                        <a:rPr lang="en-US" altLang="ko-KR" sz="1000" b="0" dirty="0"/>
+                        <a:t>Time (s)</a:t>
+                      </a:r>
+                      <a:endParaRPr lang="ko-KR" altLang="en-US" sz="1000" b="0" dirty="0">
+                        <a:latin typeface="+mn-lt"/>
+                      </a:endParaRPr>
+                    </a:p>
+                  </a:txBody>
+                  <a:tcPr/>
+                </a:tc>
+                <a:tc>
+                  <a:txBody>
+                    <a:bodyPr/>
+                    <a:lstStyle/>
+                    <a:p>
+                      <a:pPr latinLnBrk="1"/>
+                      <a:r>
+                        <a:rPr lang="en-US" altLang="ko-KR" sz="1000" b="0" dirty="0"/>
+                        <a:t>Roll rate</a:t>
+                      </a:r>
+                      <a:endParaRPr lang="ko-KR" altLang="en-US" sz="1000" b="0" dirty="0">
+                        <a:latin typeface="+mn-lt"/>
+                      </a:endParaRPr>
+                    </a:p>
+                  </a:txBody>
+                  <a:tcPr/>
+                </a:tc>
+                <a:tc>
+                  <a:txBody>
+                    <a:bodyPr/>
+                    <a:lstStyle/>
+                    <a:p>
+                      <a:pPr latinLnBrk="1"/>
+                      <a:r>
+                        <a:rPr lang="en-US" altLang="ko-KR" sz="1000" b="0" dirty="0"/>
+                        <a:t>Yaw rate</a:t>
+                      </a:r>
+                      <a:endParaRPr lang="ko-KR" altLang="en-US" sz="1000" b="0" dirty="0">
+                        <a:latin typeface="+mn-lt"/>
+                      </a:endParaRPr>
+                    </a:p>
+                  </a:txBody>
+                  <a:tcPr/>
+                </a:tc>
+                <a:tc>
+                  <a:txBody>
+                    <a:bodyPr/>
+                    <a:lstStyle/>
+                    <a:p>
+                      <a:pPr latinLnBrk="1"/>
+                      <a:r>
+                        <a:rPr lang="en-US" altLang="ko-KR" sz="1000" b="0" dirty="0"/>
+                        <a:t>Maximum lateral acceleration (m/s^2)</a:t>
+                      </a:r>
+                      <a:endParaRPr lang="ko-KR" altLang="en-US" sz="1000" b="0" dirty="0">
+                        <a:latin typeface="+mn-lt"/>
+                      </a:endParaRPr>
+                    </a:p>
+                  </a:txBody>
+                  <a:tcPr/>
+                </a:tc>
+                <a:tc>
+                  <a:txBody>
+                    <a:bodyPr/>
+                    <a:lstStyle/>
+                    <a:p>
+                      <a:pPr latinLnBrk="1"/>
+                      <a:r>
+                        <a:rPr lang="en-US" altLang="ko-KR" sz="1000" b="0" dirty="0">
+                          <a:latin typeface="+mn-lt"/>
+                        </a:rPr>
+                        <a:t>Cone Collision</a:t>
+                      </a:r>
+                      <a:endParaRPr lang="ko-KR" altLang="en-US" sz="1000" b="0" dirty="0">
+                        <a:latin typeface="+mn-lt"/>
+                      </a:endParaRPr>
+                    </a:p>
+                  </a:txBody>
+                  <a:tcPr/>
+                </a:tc>
+                <a:tc>
+                  <a:txBody>
+                    <a:bodyPr/>
+                    <a:lstStyle/>
+                    <a:p>
+                      <a:pPr latinLnBrk="1"/>
+                      <a:r>
+                        <a:rPr lang="en-US" altLang="ko-KR" sz="1000" b="0" dirty="0">
+                          <a:latin typeface="+mn-lt"/>
+                        </a:rPr>
+                        <a:t>Total Distance (m)</a:t>
+                      </a:r>
+                      <a:endParaRPr lang="ko-KR" altLang="en-US" sz="1000" b="0" dirty="0">
+                        <a:latin typeface="+mn-lt"/>
+                      </a:endParaRPr>
+                    </a:p>
+                  </a:txBody>
+                  <a:tcPr/>
+                </a:tc>
+                <a:extLst>
+                  <a:ext uri="{0D108BD9-81ED-4DB2-BD59-A6C34878D82A}">
+                    <a16:rowId xmlns:a16="http://schemas.microsoft.com/office/drawing/2014/main" val="168695393"/>
+                  </a:ext>
+                </a:extLst>
+              </a:tr>
+              <a:tr h="190906">
+                <a:tc>
+                  <a:txBody>
+                    <a:bodyPr/>
+                    <a:lstStyle/>
+                    <a:p>
+                      <a:pPr latinLnBrk="1"/>
+                      <a:r>
+                        <a:rPr lang="en-US" altLang="ko-KR" sz="1050" dirty="0">
+                          <a:latin typeface="+mn-lt"/>
+                        </a:rPr>
+                        <a:t>IPG</a:t>
+                      </a:r>
+                      <a:endParaRPr lang="ko-KR" altLang="en-US" sz="1050" dirty="0">
+                        <a:latin typeface="+mn-lt"/>
+                      </a:endParaRPr>
+                    </a:p>
+                  </a:txBody>
+                  <a:tcPr/>
+                </a:tc>
+                <a:tc>
+                  <a:txBody>
+                    <a:bodyPr/>
+                    <a:lstStyle/>
+                    <a:p>
+                      <a:pPr latinLnBrk="1"/>
+                      <a:r>
+                        <a:rPr lang="en-US" altLang="ko-KR" sz="1050" dirty="0">
+                          <a:latin typeface="+mn-lt"/>
+                        </a:rPr>
+                        <a:t>175.13</a:t>
+                      </a:r>
+                      <a:endParaRPr lang="ko-KR" altLang="en-US" sz="1050" dirty="0">
+                        <a:latin typeface="+mn-lt"/>
+                      </a:endParaRPr>
+                    </a:p>
+                  </a:txBody>
+                  <a:tcPr/>
+                </a:tc>
+                <a:tc>
+                  <a:txBody>
+                    <a:bodyPr/>
+                    <a:lstStyle/>
+                    <a:p>
+                      <a:pPr latinLnBrk="1"/>
+                      <a:r>
+                        <a:rPr lang="en-US" altLang="ko-KR" sz="1050" dirty="0">
+                          <a:latin typeface="+mn-lt"/>
+                        </a:rPr>
+                        <a:t>0.000896</a:t>
+                      </a:r>
+                      <a:endParaRPr lang="ko-KR" altLang="en-US" sz="1050" dirty="0">
+                        <a:latin typeface="+mn-lt"/>
+                      </a:endParaRPr>
+                    </a:p>
+                  </a:txBody>
+                  <a:tcPr/>
+                </a:tc>
+                <a:tc>
+                  <a:txBody>
+                    <a:bodyPr/>
+                    <a:lstStyle/>
+                    <a:p>
+                      <a:pPr latinLnBrk="1"/>
+                      <a:r>
+                        <a:rPr lang="en-US" altLang="ko-KR" sz="1050" dirty="0">
+                          <a:latin typeface="+mn-lt"/>
+                        </a:rPr>
+                        <a:t>0.048501</a:t>
+                      </a:r>
+                      <a:endParaRPr lang="ko-KR" altLang="en-US" sz="1050" dirty="0">
+                        <a:latin typeface="+mn-lt"/>
+                      </a:endParaRPr>
+                    </a:p>
+                  </a:txBody>
+                  <a:tcPr/>
+                </a:tc>
+                <a:tc>
+                  <a:txBody>
+                    <a:bodyPr/>
+                    <a:lstStyle/>
+                    <a:p>
+                      <a:pPr latinLnBrk="1"/>
+                      <a:r>
+                        <a:rPr lang="en-US" altLang="ko-KR" sz="1050" dirty="0">
+                          <a:latin typeface="+mn-lt"/>
+                        </a:rPr>
+                        <a:t>0.006107</a:t>
+                      </a:r>
+                      <a:endParaRPr lang="ko-KR" altLang="en-US" sz="1050" dirty="0">
+                        <a:latin typeface="+mn-lt"/>
+                      </a:endParaRPr>
+                    </a:p>
+                  </a:txBody>
+                  <a:tcPr/>
+                </a:tc>
+                <a:tc>
+                  <a:txBody>
+                    <a:bodyPr/>
+                    <a:lstStyle/>
+                    <a:p>
+                      <a:pPr latinLnBrk="1"/>
+                      <a:r>
+                        <a:rPr lang="en-US" altLang="ko-KR" sz="1050" dirty="0">
+                          <a:latin typeface="+mn-lt"/>
+                        </a:rPr>
+                        <a:t>6</a:t>
+                      </a:r>
+                      <a:endParaRPr lang="ko-KR" altLang="en-US" sz="1050" dirty="0">
+                        <a:latin typeface="+mn-lt"/>
+                      </a:endParaRPr>
+                    </a:p>
+                  </a:txBody>
+                  <a:tcPr/>
+                </a:tc>
+                <a:tc>
+                  <a:txBody>
+                    <a:bodyPr/>
+                    <a:lstStyle/>
+                    <a:p>
+                      <a:pPr latinLnBrk="1"/>
+                      <a:r>
+                        <a:rPr lang="en-US" altLang="ko-KR" sz="1050" dirty="0">
+                          <a:latin typeface="+mn-lt"/>
+                        </a:rPr>
+                        <a:t>2427.660640</a:t>
+                      </a:r>
+                      <a:endParaRPr lang="ko-KR" altLang="en-US" sz="1050" dirty="0">
+                        <a:latin typeface="+mn-lt"/>
+                      </a:endParaRPr>
+                    </a:p>
+                  </a:txBody>
+                  <a:tcPr/>
+                </a:tc>
+                <a:extLst>
+                  <a:ext uri="{0D108BD9-81ED-4DB2-BD59-A6C34878D82A}">
+                    <a16:rowId xmlns:a16="http://schemas.microsoft.com/office/drawing/2014/main" val="332458919"/>
+                  </a:ext>
+                </a:extLst>
+              </a:tr>
+              <a:tr h="190906">
+                <a:tc>
+                  <a:txBody>
+                    <a:bodyPr/>
+                    <a:lstStyle/>
+                    <a:p>
+                      <a:pPr latinLnBrk="1"/>
+                      <a:r>
+                        <a:rPr lang="en-US" altLang="ko-KR" sz="1050" dirty="0">
+                          <a:latin typeface="+mn-lt"/>
+                        </a:rPr>
+                        <a:t>MPC</a:t>
+                      </a:r>
+                      <a:endParaRPr lang="ko-KR" altLang="en-US" sz="1050" dirty="0">
+                        <a:latin typeface="+mn-lt"/>
+                      </a:endParaRPr>
+                    </a:p>
+                  </a:txBody>
+                  <a:tcPr/>
+                </a:tc>
+                <a:tc>
+                  <a:txBody>
+                    <a:bodyPr/>
+                    <a:lstStyle/>
+                    <a:p>
+                      <a:pPr latinLnBrk="1"/>
+                      <a:r>
+                        <a:rPr lang="en-US" altLang="ko-KR" sz="1050" dirty="0">
+                          <a:latin typeface="+mn-lt"/>
+                        </a:rPr>
+                        <a:t>175.27</a:t>
+                      </a:r>
+                      <a:endParaRPr lang="ko-KR" altLang="en-US" sz="1050" dirty="0">
+                        <a:latin typeface="+mn-lt"/>
+                      </a:endParaRPr>
+                    </a:p>
+                  </a:txBody>
+                  <a:tcPr/>
+                </a:tc>
+                <a:tc>
+                  <a:txBody>
+                    <a:bodyPr/>
+                    <a:lstStyle/>
+                    <a:p>
+                      <a:pPr latinLnBrk="1"/>
+                      <a:r>
+                        <a:rPr lang="en-US" altLang="ko-KR" sz="1050" dirty="0">
+                          <a:latin typeface="+mn-lt"/>
+                        </a:rPr>
+                        <a:t>0.001010</a:t>
+                      </a:r>
+                      <a:endParaRPr lang="ko-KR" altLang="en-US" sz="1050" dirty="0">
+                        <a:latin typeface="+mn-lt"/>
+                      </a:endParaRPr>
+                    </a:p>
+                  </a:txBody>
+                  <a:tcPr/>
+                </a:tc>
+                <a:tc>
+                  <a:txBody>
+                    <a:bodyPr/>
+                    <a:lstStyle/>
+                    <a:p>
+                      <a:pPr latinLnBrk="1"/>
+                      <a:r>
+                        <a:rPr lang="en-US" altLang="ko-KR" sz="1050" dirty="0">
+                          <a:latin typeface="+mn-lt"/>
+                        </a:rPr>
+                        <a:t>0.049388</a:t>
+                      </a:r>
+                      <a:endParaRPr lang="ko-KR" altLang="en-US" sz="1050" dirty="0">
+                        <a:latin typeface="+mn-lt"/>
+                      </a:endParaRPr>
+                    </a:p>
+                  </a:txBody>
+                  <a:tcPr/>
+                </a:tc>
+                <a:tc>
+                  <a:txBody>
+                    <a:bodyPr/>
+                    <a:lstStyle/>
+                    <a:p>
+                      <a:pPr latinLnBrk="1"/>
+                      <a:r>
+                        <a:rPr lang="en-US" altLang="ko-KR" sz="1050" dirty="0">
+                          <a:latin typeface="+mn-lt"/>
+                        </a:rPr>
+                        <a:t>0.004830</a:t>
+                      </a:r>
+                      <a:endParaRPr lang="ko-KR" altLang="en-US" sz="1050" dirty="0">
+                        <a:latin typeface="+mn-lt"/>
+                      </a:endParaRPr>
+                    </a:p>
+                  </a:txBody>
+                  <a:tcPr/>
+                </a:tc>
+                <a:tc>
+                  <a:txBody>
+                    <a:bodyPr/>
+                    <a:lstStyle/>
+                    <a:p>
+                      <a:pPr latinLnBrk="1"/>
+                      <a:r>
+                        <a:rPr lang="en-US" altLang="ko-KR" sz="1050" dirty="0">
+                          <a:latin typeface="+mn-lt"/>
+                        </a:rPr>
+                        <a:t>2</a:t>
+                      </a:r>
+                      <a:endParaRPr lang="ko-KR" altLang="en-US" sz="1050" dirty="0">
+                        <a:latin typeface="+mn-lt"/>
+                      </a:endParaRPr>
+                    </a:p>
+                  </a:txBody>
+                  <a:tcPr/>
+                </a:tc>
+                <a:tc>
+                  <a:txBody>
+                    <a:bodyPr/>
+                    <a:lstStyle/>
+                    <a:p>
+                      <a:pPr latinLnBrk="1"/>
+                      <a:r>
+                        <a:rPr lang="en-US" altLang="ko-KR" sz="1050" dirty="0">
+                          <a:latin typeface="+mn-lt"/>
+                        </a:rPr>
+                        <a:t>2429.594107</a:t>
+                      </a:r>
+                      <a:endParaRPr lang="ko-KR" altLang="en-US" sz="1050" dirty="0">
+                        <a:latin typeface="+mn-lt"/>
+                      </a:endParaRPr>
+                    </a:p>
+                  </a:txBody>
+                  <a:tcPr/>
+                </a:tc>
+                <a:extLst>
+                  <a:ext uri="{0D108BD9-81ED-4DB2-BD59-A6C34878D82A}">
+                    <a16:rowId xmlns:a16="http://schemas.microsoft.com/office/drawing/2014/main" val="2469210620"/>
+                  </a:ext>
+                </a:extLst>
+              </a:tr>
+              <a:tr h="190906">
+                <a:tc>
+                  <a:txBody>
+                    <a:bodyPr/>
+                    <a:lstStyle/>
+                    <a:p>
+                      <a:pPr latinLnBrk="1"/>
+                      <a:r>
+                        <a:rPr lang="en-US" altLang="ko-KR" sz="1050" dirty="0" err="1">
+                          <a:latin typeface="+mn-lt"/>
+                        </a:rPr>
+                        <a:t>Comparision</a:t>
+                      </a:r>
+                      <a:endParaRPr lang="ko-KR" altLang="en-US" sz="1050" dirty="0">
+                        <a:latin typeface="+mn-lt"/>
+                      </a:endParaRPr>
+                    </a:p>
+                  </a:txBody>
+                  <a:tcPr/>
+                </a:tc>
+                <a:tc>
+                  <a:txBody>
+                    <a:bodyPr/>
+                    <a:lstStyle/>
+                    <a:p>
+                      <a:pPr latinLnBrk="1"/>
+                      <a:r>
+                        <a:rPr lang="en-US" altLang="ko-KR" sz="1050" dirty="0">
+                          <a:latin typeface="+mn-lt"/>
+                        </a:rPr>
+                        <a:t>0.079941</a:t>
+                      </a:r>
+                      <a:endParaRPr lang="ko-KR" altLang="en-US" sz="1050" dirty="0">
+                        <a:latin typeface="+mn-lt"/>
+                      </a:endParaRPr>
+                    </a:p>
+                  </a:txBody>
+                  <a:tcPr/>
+                </a:tc>
+                <a:tc>
+                  <a:txBody>
+                    <a:bodyPr/>
+                    <a:lstStyle/>
+                    <a:p>
+                      <a:pPr latinLnBrk="1"/>
+                      <a:r>
+                        <a:rPr lang="en-US" altLang="ko-KR" sz="1050" dirty="0">
+                          <a:latin typeface="+mn-lt"/>
+                        </a:rPr>
+                        <a:t>102.6989</a:t>
+                      </a:r>
+                      <a:endParaRPr lang="ko-KR" altLang="en-US" sz="1050" dirty="0">
+                        <a:latin typeface="+mn-lt"/>
+                      </a:endParaRPr>
+                    </a:p>
+                  </a:txBody>
+                  <a:tcPr/>
+                </a:tc>
+                <a:tc>
+                  <a:txBody>
+                    <a:bodyPr/>
+                    <a:lstStyle/>
+                    <a:p>
+                      <a:pPr latinLnBrk="1"/>
+                      <a:r>
+                        <a:rPr lang="en-US" altLang="ko-KR" sz="1050" dirty="0">
+                          <a:latin typeface="+mn-lt"/>
+                        </a:rPr>
+                        <a:t>1.828120</a:t>
+                      </a:r>
+                      <a:endParaRPr lang="ko-KR" altLang="en-US" sz="1050" dirty="0">
+                        <a:latin typeface="+mn-lt"/>
+                      </a:endParaRPr>
+                    </a:p>
+                  </a:txBody>
+                  <a:tcPr/>
+                </a:tc>
+                <a:tc>
+                  <a:txBody>
+                    <a:bodyPr/>
+                    <a:lstStyle/>
+                    <a:p>
+                      <a:pPr latinLnBrk="1"/>
+                      <a:r>
+                        <a:rPr lang="en-US" altLang="ko-KR" sz="1050" dirty="0">
+                          <a:latin typeface="+mn-lt"/>
+                        </a:rPr>
+                        <a:t>-20.9104</a:t>
+                      </a:r>
+                      <a:endParaRPr lang="ko-KR" altLang="en-US" sz="1050" dirty="0">
+                        <a:latin typeface="+mn-lt"/>
+                      </a:endParaRPr>
+                    </a:p>
+                  </a:txBody>
+                  <a:tcPr/>
+                </a:tc>
+                <a:tc>
+                  <a:txBody>
+                    <a:bodyPr/>
+                    <a:lstStyle/>
+                    <a:p>
+                      <a:pPr latinLnBrk="1"/>
+                      <a:r>
+                        <a:rPr lang="en-US" altLang="ko-KR" sz="1050" dirty="0">
+                          <a:latin typeface="+mn-lt"/>
+                        </a:rPr>
+                        <a:t>-4</a:t>
+                      </a:r>
+                      <a:endParaRPr lang="ko-KR" altLang="en-US" sz="1050" dirty="0">
+                        <a:latin typeface="+mn-lt"/>
+                      </a:endParaRPr>
+                    </a:p>
+                  </a:txBody>
+                  <a:tcPr/>
+                </a:tc>
+                <a:tc>
+                  <a:txBody>
+                    <a:bodyPr/>
+                    <a:lstStyle/>
+                    <a:p>
+                      <a:pPr latinLnBrk="1"/>
+                      <a:r>
+                        <a:rPr lang="en-US" altLang="ko-KR" sz="1050" dirty="0">
+                          <a:latin typeface="+mn-lt"/>
+                        </a:rPr>
+                        <a:t>0.079643</a:t>
+                      </a:r>
+                      <a:endParaRPr lang="ko-KR" altLang="en-US" sz="1050" dirty="0">
+                        <a:latin typeface="+mn-lt"/>
+                      </a:endParaRPr>
+                    </a:p>
+                  </a:txBody>
+                  <a:tcPr/>
+                </a:tc>
+                <a:extLst>
+                  <a:ext uri="{0D108BD9-81ED-4DB2-BD59-A6C34878D82A}">
+                    <a16:rowId xmlns:a16="http://schemas.microsoft.com/office/drawing/2014/main" val="2687899568"/>
+                  </a:ext>
+                </a:extLst>
+              </a:tr>
+            </a:tbl>
+          </a:graphicData>
+        </a:graphic>
+      </p:graphicFrame>
+      <p:pic>
+        <p:nvPicPr>
+          <p:cNvPr id="11" name="그림 10">
+            <a:extLst>
+              <a:ext uri="{FF2B5EF4-FFF2-40B4-BE49-F238E27FC236}">
+                <a16:creationId xmlns:a16="http://schemas.microsoft.com/office/drawing/2014/main" id="{4666AC97-1C5B-65F6-3628-3E4F9DCB016B}"/>
+              </a:ext>
+            </a:extLst>
+          </p:cNvPr>
+          <p:cNvPicPr>
+            <a:picLocks noChangeAspect="1"/>
+          </p:cNvPicPr>
+          <p:nvPr/>
+        </p:nvPicPr>
+        <p:blipFill>
+          <a:blip r:embed="rId2"/>
+          <a:stretch>
+            <a:fillRect/>
+          </a:stretch>
+        </p:blipFill>
+        <p:spPr>
+          <a:xfrm>
+            <a:off x="2058873" y="2642008"/>
+            <a:ext cx="7686860" cy="4084219"/>
+          </a:xfrm>
+          <a:prstGeom prst="rect">
+            <a:avLst/>
+          </a:prstGeom>
+          <a:ln>
+            <a:solidFill>
+              <a:schemeClr val="tx1"/>
+            </a:solidFill>
+          </a:ln>
+        </p:spPr>
+      </p:pic>
+      <p:pic>
+        <p:nvPicPr>
+          <p:cNvPr id="8" name="그림 7">
+            <a:extLst>
+              <a:ext uri="{FF2B5EF4-FFF2-40B4-BE49-F238E27FC236}">
+                <a16:creationId xmlns:a16="http://schemas.microsoft.com/office/drawing/2014/main" id="{7197C791-EF58-8C6C-8EE9-059EE7EA2E06}"/>
+              </a:ext>
+            </a:extLst>
+          </p:cNvPr>
+          <p:cNvPicPr>
+            <a:picLocks noChangeAspect="1"/>
+          </p:cNvPicPr>
+          <p:nvPr/>
+        </p:nvPicPr>
+        <p:blipFill>
+          <a:blip r:embed="rId3"/>
+          <a:stretch>
+            <a:fillRect/>
+          </a:stretch>
+        </p:blipFill>
+        <p:spPr>
+          <a:xfrm>
+            <a:off x="9927824" y="209776"/>
+            <a:ext cx="1495634" cy="962159"/>
+          </a:xfrm>
+          <a:prstGeom prst="rect">
+            <a:avLst/>
+          </a:prstGeom>
+        </p:spPr>
+      </p:pic>
+      <p:sp>
+        <p:nvSpPr>
+          <p:cNvPr id="9" name="TextBox 8">
+            <a:extLst>
+              <a:ext uri="{FF2B5EF4-FFF2-40B4-BE49-F238E27FC236}">
+                <a16:creationId xmlns:a16="http://schemas.microsoft.com/office/drawing/2014/main" id="{A8C882B3-B467-E2E9-3214-85026AE08D69}"/>
+              </a:ext>
+            </a:extLst>
+          </p:cNvPr>
+          <p:cNvSpPr txBox="1"/>
+          <p:nvPr/>
+        </p:nvSpPr>
+        <p:spPr>
+          <a:xfrm>
+            <a:off x="7010767" y="506190"/>
+            <a:ext cx="2876044" cy="369332"/>
+          </a:xfrm>
+          <a:prstGeom prst="rect">
+            <a:avLst/>
+          </a:prstGeom>
+          <a:noFill/>
+        </p:spPr>
+        <p:txBody>
+          <a:bodyPr wrap="none" rtlCol="0">
+            <a:spAutoFit/>
+          </a:bodyPr>
+          <a:lstStyle/>
+          <a:p>
+            <a:r>
+              <a:rPr lang="en-US" altLang="ko-KR" dirty="0"/>
+              <a:t>Total </a:t>
+            </a:r>
+            <a:r>
+              <a:rPr lang="ko-KR" altLang="en-US" dirty="0"/>
+              <a:t>추가 결과 입니다 </a:t>
+            </a:r>
+            <a:r>
+              <a:rPr lang="en-US" altLang="ko-KR" dirty="0"/>
+              <a:t>-&gt;</a:t>
+            </a:r>
+            <a:endParaRPr lang="ko-KR" altLang="en-US" dirty="0"/>
+          </a:p>
+        </p:txBody>
+      </p:sp>
+    </p:spTree>
+    <p:extLst>
+      <p:ext uri="{BB962C8B-B14F-4D97-AF65-F5344CB8AC3E}">
+        <p14:creationId xmlns:p14="http://schemas.microsoft.com/office/powerpoint/2010/main" val="1049183203"/>
+      </p:ext>
+    </p:extLst>
+  </p:cSld>
+  <p:clrMapOvr>
+    <a:masterClrMapping/>
+  </p:clrMapOvr>
+</p:sld>
+</file>
+
+<file path=ppt/slides/slide11.xml><?xml version="1.0" encoding="utf-8"?>
+<p:sld xmlns:a="http://schemas.openxmlformats.org/drawingml/2006/main" xmlns:r="http://schemas.openxmlformats.org/officeDocument/2006/relationships" xmlns:p="http://schemas.openxmlformats.org/presentationml/2006/main">
+  <p:cSld>
+    <p:spTree>
+      <p:nvGrpSpPr>
+        <p:cNvPr id="1" name=""/>
+        <p:cNvGrpSpPr/>
+        <p:nvPr/>
+      </p:nvGrpSpPr>
+      <p:grpSpPr>
+        <a:xfrm>
+          <a:off x="0" y="0"/>
+          <a:ext cx="0" cy="0"/>
+          <a:chOff x="0" y="0"/>
+          <a:chExt cx="0" cy="0"/>
+        </a:xfrm>
+      </p:grpSpPr>
+      <p:sp>
+        <p:nvSpPr>
+          <p:cNvPr id="2" name="제목 1">
+            <a:extLst>
+              <a:ext uri="{FF2B5EF4-FFF2-40B4-BE49-F238E27FC236}">
                 <a16:creationId xmlns:a16="http://schemas.microsoft.com/office/drawing/2014/main" id="{136C779F-3BCF-1529-E013-D6AA4653275D}"/>
               </a:ext>
             </a:extLst>
@@ -3570,7 +4374,7 @@
 </p:sld>
 </file>
 
-<file path=ppt/slides/slide11.xml><?xml version="1.0" encoding="utf-8"?>
+<file path=ppt/slides/slide12.xml><?xml version="1.0" encoding="utf-8"?>
 <p:sld xmlns:a="http://schemas.openxmlformats.org/drawingml/2006/main" xmlns:r="http://schemas.openxmlformats.org/officeDocument/2006/relationships" xmlns:p="http://schemas.openxmlformats.org/presentationml/2006/main">
   <p:cSld>
     <p:spTree>
@@ -3659,7 +4463,7 @@
 </p:sld>
 </file>
 
-<file path=ppt/slides/slide12.xml><?xml version="1.0" encoding="utf-8"?>
+<file path=ppt/slides/slide13.xml><?xml version="1.0" encoding="utf-8"?>
 <p:sld xmlns:a="http://schemas.openxmlformats.org/drawingml/2006/main" xmlns:r="http://schemas.openxmlformats.org/officeDocument/2006/relationships" xmlns:p="http://schemas.openxmlformats.org/presentationml/2006/main">
   <p:cSld>
     <p:spTree>
@@ -3794,10 +4598,10 @@
       </p:sp>
       <p:pic>
         <p:nvPicPr>
-          <p:cNvPr id="11" name="내용 개체 틀 10">
-            <a:extLst>
-              <a:ext uri="{FF2B5EF4-FFF2-40B4-BE49-F238E27FC236}">
-                <a16:creationId xmlns:a16="http://schemas.microsoft.com/office/drawing/2014/main" id="{1BC02192-4A84-0C32-93B7-9BB41E354217}"/>
+          <p:cNvPr id="6" name="내용 개체 틀 5">
+            <a:extLst>
+              <a:ext uri="{FF2B5EF4-FFF2-40B4-BE49-F238E27FC236}">
+                <a16:creationId xmlns:a16="http://schemas.microsoft.com/office/drawing/2014/main" id="{6821AA84-B50F-F429-95A7-BDF6824190C7}"/>
               </a:ext>
             </a:extLst>
           </p:cNvPr>
@@ -3816,8 +4620,8 @@
         </p:blipFill>
         <p:spPr>
           <a:xfrm>
-            <a:off x="2180194" y="1825625"/>
-            <a:ext cx="7442675" cy="4351338"/>
+            <a:off x="2083642" y="1825625"/>
+            <a:ext cx="7635778" cy="4351338"/>
           </a:xfrm>
         </p:spPr>
       </p:pic>
@@ -3856,6 +4660,90 @@
           <p:cNvPr id="2" name="제목 1">
             <a:extLst>
               <a:ext uri="{FF2B5EF4-FFF2-40B4-BE49-F238E27FC236}">
+                <a16:creationId xmlns:a16="http://schemas.microsoft.com/office/drawing/2014/main" id="{11FEAEBC-6071-AF5F-0234-09FF23D7D904}"/>
+              </a:ext>
+            </a:extLst>
+          </p:cNvPr>
+          <p:cNvSpPr>
+            <a:spLocks noGrp="1"/>
+          </p:cNvSpPr>
+          <p:nvPr>
+            <p:ph type="title"/>
+          </p:nvPr>
+        </p:nvSpPr>
+        <p:spPr/>
+        <p:txBody>
+          <a:bodyPr/>
+          <a:lstStyle/>
+          <a:p>
+            <a:endParaRPr lang="ko-KR" altLang="en-US"/>
+          </a:p>
+        </p:txBody>
+      </p:sp>
+      <p:pic>
+        <p:nvPicPr>
+          <p:cNvPr id="5" name="내용 개체 틀 4">
+            <a:extLst>
+              <a:ext uri="{FF2B5EF4-FFF2-40B4-BE49-F238E27FC236}">
+                <a16:creationId xmlns:a16="http://schemas.microsoft.com/office/drawing/2014/main" id="{8D9D455F-86AA-1CF4-B4DB-75523CFF459C}"/>
+              </a:ext>
+            </a:extLst>
+          </p:cNvPr>
+          <p:cNvPicPr>
+            <a:picLocks noGrp="1" noChangeAspect="1"/>
+          </p:cNvPicPr>
+          <p:nvPr>
+            <p:ph idx="1"/>
+          </p:nvPr>
+        </p:nvPicPr>
+        <p:blipFill>
+          <a:blip r:embed="rId2"/>
+          <a:stretch>
+            <a:fillRect/>
+          </a:stretch>
+        </p:blipFill>
+        <p:spPr>
+          <a:xfrm>
+            <a:off x="2089154" y="1825625"/>
+            <a:ext cx="7624755" cy="4351338"/>
+          </a:xfrm>
+        </p:spPr>
+      </p:pic>
+    </p:spTree>
+    <p:extLst>
+      <p:ext uri="{BB962C8B-B14F-4D97-AF65-F5344CB8AC3E}">
+        <p14:creationId xmlns:p14="http://schemas.microsoft.com/office/powerpoint/2010/main" val="3505756504"/>
+      </p:ext>
+    </p:extLst>
+  </p:cSld>
+  <p:clrMapOvr>
+    <a:masterClrMapping/>
+  </p:clrMapOvr>
+</p:sld>
+</file>
+
+<file path=ppt/slides/slide4.xml><?xml version="1.0" encoding="utf-8"?>
+<p:sld xmlns:a="http://schemas.openxmlformats.org/drawingml/2006/main" xmlns:r="http://schemas.openxmlformats.org/officeDocument/2006/relationships" xmlns:p="http://schemas.openxmlformats.org/presentationml/2006/main">
+  <p:cSld>
+    <p:spTree>
+      <p:nvGrpSpPr>
+        <p:cNvPr id="1" name=""/>
+        <p:cNvGrpSpPr/>
+        <p:nvPr/>
+      </p:nvGrpSpPr>
+      <p:grpSpPr>
+        <a:xfrm>
+          <a:off x="0" y="0"/>
+          <a:ext cx="0" cy="0"/>
+          <a:chOff x="0" y="0"/>
+          <a:chExt cx="0" cy="0"/>
+        </a:xfrm>
+      </p:grpSpPr>
+      <p:sp>
+        <p:nvSpPr>
+          <p:cNvPr id="2" name="제목 1">
+            <a:extLst>
+              <a:ext uri="{FF2B5EF4-FFF2-40B4-BE49-F238E27FC236}">
                 <a16:creationId xmlns:a16="http://schemas.microsoft.com/office/drawing/2014/main" id="{E98E0C3D-C73E-ACB1-FD1D-650AF9998352}"/>
               </a:ext>
             </a:extLst>
@@ -4018,7 +4906,7 @@
 </p:sld>
 </file>
 
-<file path=ppt/slides/slide4.xml><?xml version="1.0" encoding="utf-8"?>
+<file path=ppt/slides/slide5.xml><?xml version="1.0" encoding="utf-8"?>
 <p:sld xmlns:a="http://schemas.openxmlformats.org/drawingml/2006/main" xmlns:r="http://schemas.openxmlformats.org/officeDocument/2006/relationships" xmlns:p="http://schemas.openxmlformats.org/presentationml/2006/main">
   <p:cSld>
     <p:spTree>
@@ -4767,517 +5655,6 @@
 </p:sld>
 </file>
 
-<file path=ppt/slides/slide5.xml><?xml version="1.0" encoding="utf-8"?>
-<p:sld xmlns:a="http://schemas.openxmlformats.org/drawingml/2006/main" xmlns:r="http://schemas.openxmlformats.org/officeDocument/2006/relationships" xmlns:p="http://schemas.openxmlformats.org/presentationml/2006/main">
-  <p:cSld>
-    <p:spTree>
-      <p:nvGrpSpPr>
-        <p:cNvPr id="1" name=""/>
-        <p:cNvGrpSpPr/>
-        <p:nvPr/>
-      </p:nvGrpSpPr>
-      <p:grpSpPr>
-        <a:xfrm>
-          <a:off x="0" y="0"/>
-          <a:ext cx="0" cy="0"/>
-          <a:chOff x="0" y="0"/>
-          <a:chExt cx="0" cy="0"/>
-        </a:xfrm>
-      </p:grpSpPr>
-      <p:sp>
-        <p:nvSpPr>
-          <p:cNvPr id="2" name="제목 1">
-            <a:extLst>
-              <a:ext uri="{FF2B5EF4-FFF2-40B4-BE49-F238E27FC236}">
-                <a16:creationId xmlns:a16="http://schemas.microsoft.com/office/drawing/2014/main" id="{8014F0C2-57B0-E34B-5AB6-C17EFE39B993}"/>
-              </a:ext>
-            </a:extLst>
-          </p:cNvPr>
-          <p:cNvSpPr>
-            <a:spLocks noGrp="1"/>
-          </p:cNvSpPr>
-          <p:nvPr>
-            <p:ph type="title"/>
-          </p:nvPr>
-        </p:nvSpPr>
-        <p:spPr/>
-        <p:txBody>
-          <a:bodyPr>
-            <a:normAutofit/>
-          </a:bodyPr>
-          <a:lstStyle/>
-          <a:p>
-            <a:r>
-              <a:rPr lang="en-US" altLang="ko-KR" dirty="0"/>
-              <a:t>RAMP</a:t>
-            </a:r>
-            <a:endParaRPr lang="ko-KR" altLang="en-US" dirty="0"/>
-          </a:p>
-        </p:txBody>
-      </p:sp>
-      <p:graphicFrame>
-        <p:nvGraphicFramePr>
-          <p:cNvPr id="3" name="표 2">
-            <a:extLst>
-              <a:ext uri="{FF2B5EF4-FFF2-40B4-BE49-F238E27FC236}">
-                <a16:creationId xmlns:a16="http://schemas.microsoft.com/office/drawing/2014/main" id="{384B5F6D-7B82-F560-BDCF-C3B6F27B116C}"/>
-              </a:ext>
-            </a:extLst>
-          </p:cNvPr>
-          <p:cNvGraphicFramePr>
-            <a:graphicFrameLocks noGrp="1"/>
-          </p:cNvGraphicFramePr>
-          <p:nvPr>
-            <p:extLst>
-              <p:ext uri="{D42A27DB-BD31-4B8C-83A1-F6EECF244321}">
-                <p14:modId xmlns:p14="http://schemas.microsoft.com/office/powerpoint/2010/main" val="2097465440"/>
-              </p:ext>
-            </p:extLst>
-          </p:nvPr>
-        </p:nvGraphicFramePr>
-        <p:xfrm>
-          <a:off x="2389240" y="1076163"/>
-          <a:ext cx="7256205" cy="1150620"/>
-        </p:xfrm>
-        <a:graphic>
-          <a:graphicData uri="http://schemas.openxmlformats.org/drawingml/2006/table">
-            <a:tbl>
-              <a:tblPr firstRow="1" bandRow="1">
-                <a:tableStyleId>{073A0DAA-6AF3-43AB-8588-CEC1D06C72B9}</a:tableStyleId>
-              </a:tblPr>
-              <a:tblGrid>
-                <a:gridCol w="1451241">
-                  <a:extLst>
-                    <a:ext uri="{9D8B030D-6E8A-4147-A177-3AD203B41FA5}">
-                      <a16:colId xmlns:a16="http://schemas.microsoft.com/office/drawing/2014/main" val="620353911"/>
-                    </a:ext>
-                  </a:extLst>
-                </a:gridCol>
-                <a:gridCol w="1451241">
-                  <a:extLst>
-                    <a:ext uri="{9D8B030D-6E8A-4147-A177-3AD203B41FA5}">
-                      <a16:colId xmlns:a16="http://schemas.microsoft.com/office/drawing/2014/main" val="587391845"/>
-                    </a:ext>
-                  </a:extLst>
-                </a:gridCol>
-                <a:gridCol w="1451241">
-                  <a:extLst>
-                    <a:ext uri="{9D8B030D-6E8A-4147-A177-3AD203B41FA5}">
-                      <a16:colId xmlns:a16="http://schemas.microsoft.com/office/drawing/2014/main" val="2397005817"/>
-                    </a:ext>
-                  </a:extLst>
-                </a:gridCol>
-                <a:gridCol w="1451241">
-                  <a:extLst>
-                    <a:ext uri="{9D8B030D-6E8A-4147-A177-3AD203B41FA5}">
-                      <a16:colId xmlns:a16="http://schemas.microsoft.com/office/drawing/2014/main" val="2977948428"/>
-                    </a:ext>
-                  </a:extLst>
-                </a:gridCol>
-                <a:gridCol w="1451241">
-                  <a:extLst>
-                    <a:ext uri="{9D8B030D-6E8A-4147-A177-3AD203B41FA5}">
-                      <a16:colId xmlns:a16="http://schemas.microsoft.com/office/drawing/2014/main" val="373563084"/>
-                    </a:ext>
-                  </a:extLst>
-                </a:gridCol>
-              </a:tblGrid>
-              <a:tr h="351629">
-                <a:tc>
-                  <a:txBody>
-                    <a:bodyPr/>
-                    <a:lstStyle/>
-                    <a:p>
-                      <a:pPr latinLnBrk="1"/>
-                      <a:r>
-                        <a:rPr lang="en-US" altLang="ko-KR" sz="1000" b="0" dirty="0"/>
-                        <a:t>Name</a:t>
-                      </a:r>
-                      <a:endParaRPr lang="ko-KR" altLang="en-US" sz="1000" b="0" dirty="0">
-                        <a:latin typeface="+mn-lt"/>
-                      </a:endParaRPr>
-                    </a:p>
-                  </a:txBody>
-                  <a:tcPr/>
-                </a:tc>
-                <a:tc>
-                  <a:txBody>
-                    <a:bodyPr/>
-                    <a:lstStyle/>
-                    <a:p>
-                      <a:pPr latinLnBrk="1"/>
-                      <a:r>
-                        <a:rPr lang="en-US" altLang="ko-KR" sz="1000" b="0" dirty="0"/>
-                        <a:t>Time (s)</a:t>
-                      </a:r>
-                      <a:endParaRPr lang="ko-KR" altLang="en-US" sz="1000" b="0" dirty="0">
-                        <a:latin typeface="+mn-lt"/>
-                      </a:endParaRPr>
-                    </a:p>
-                  </a:txBody>
-                  <a:tcPr/>
-                </a:tc>
-                <a:tc>
-                  <a:txBody>
-                    <a:bodyPr/>
-                    <a:lstStyle/>
-                    <a:p>
-                      <a:pPr latinLnBrk="1"/>
-                      <a:r>
-                        <a:rPr lang="en-US" altLang="ko-KR" sz="1000" b="0" dirty="0"/>
-                        <a:t>Roll rate</a:t>
-                      </a:r>
-                      <a:endParaRPr lang="ko-KR" altLang="en-US" sz="1000" b="0" dirty="0">
-                        <a:latin typeface="+mn-lt"/>
-                      </a:endParaRPr>
-                    </a:p>
-                  </a:txBody>
-                  <a:tcPr/>
-                </a:tc>
-                <a:tc>
-                  <a:txBody>
-                    <a:bodyPr/>
-                    <a:lstStyle/>
-                    <a:p>
-                      <a:pPr latinLnBrk="1"/>
-                      <a:r>
-                        <a:rPr lang="en-US" altLang="ko-KR" sz="1000" b="0" dirty="0"/>
-                        <a:t>Yaw rate</a:t>
-                      </a:r>
-                      <a:endParaRPr lang="ko-KR" altLang="en-US" sz="1000" b="0" dirty="0">
-                        <a:latin typeface="+mn-lt"/>
-                      </a:endParaRPr>
-                    </a:p>
-                  </a:txBody>
-                  <a:tcPr/>
-                </a:tc>
-                <a:tc>
-                  <a:txBody>
-                    <a:bodyPr/>
-                    <a:lstStyle/>
-                    <a:p>
-                      <a:pPr latinLnBrk="1"/>
-                      <a:r>
-                        <a:rPr lang="en-US" altLang="ko-KR" sz="1000" b="0" dirty="0"/>
-                        <a:t>Maximum lateral acceleration (m/s^2)</a:t>
-                      </a:r>
-                      <a:endParaRPr lang="ko-KR" altLang="en-US" sz="1000" b="0" dirty="0">
-                        <a:latin typeface="+mn-lt"/>
-                      </a:endParaRPr>
-                    </a:p>
-                  </a:txBody>
-                  <a:tcPr/>
-                </a:tc>
-                <a:extLst>
-                  <a:ext uri="{0D108BD9-81ED-4DB2-BD59-A6C34878D82A}">
-                    <a16:rowId xmlns:a16="http://schemas.microsoft.com/office/drawing/2014/main" val="168695393"/>
-                  </a:ext>
-                </a:extLst>
-              </a:tr>
-              <a:tr h="198331">
-                <a:tc>
-                  <a:txBody>
-                    <a:bodyPr/>
-                    <a:lstStyle/>
-                    <a:p>
-                      <a:pPr latinLnBrk="1"/>
-                      <a:r>
-                        <a:rPr lang="en-US" altLang="ko-KR" sz="1050" dirty="0">
-                          <a:latin typeface="+mn-lt"/>
-                        </a:rPr>
-                        <a:t>IPG</a:t>
-                      </a:r>
-                      <a:endParaRPr lang="ko-KR" altLang="en-US" sz="1050" dirty="0">
-                        <a:latin typeface="+mn-lt"/>
-                      </a:endParaRPr>
-                    </a:p>
-                  </a:txBody>
-                  <a:tcPr/>
-                </a:tc>
-                <a:tc>
-                  <a:txBody>
-                    <a:bodyPr/>
-                    <a:lstStyle/>
-                    <a:p>
-                      <a:pPr latinLnBrk="1"/>
-                      <a:endParaRPr lang="ko-KR" altLang="en-US" sz="1050" dirty="0">
-                        <a:latin typeface="+mn-lt"/>
-                      </a:endParaRPr>
-                    </a:p>
-                  </a:txBody>
-                  <a:tcPr/>
-                </a:tc>
-                <a:tc>
-                  <a:txBody>
-                    <a:bodyPr/>
-                    <a:lstStyle/>
-                    <a:p>
-                      <a:pPr latinLnBrk="1"/>
-                      <a:endParaRPr lang="ko-KR" altLang="en-US" sz="1050" dirty="0">
-                        <a:latin typeface="+mn-lt"/>
-                      </a:endParaRPr>
-                    </a:p>
-                  </a:txBody>
-                  <a:tcPr/>
-                </a:tc>
-                <a:tc>
-                  <a:txBody>
-                    <a:bodyPr/>
-                    <a:lstStyle/>
-                    <a:p>
-                      <a:pPr latinLnBrk="1"/>
-                      <a:endParaRPr lang="ko-KR" altLang="en-US" sz="1050" dirty="0">
-                        <a:latin typeface="+mn-lt"/>
-                      </a:endParaRPr>
-                    </a:p>
-                  </a:txBody>
-                  <a:tcPr/>
-                </a:tc>
-                <a:tc>
-                  <a:txBody>
-                    <a:bodyPr/>
-                    <a:lstStyle/>
-                    <a:p>
-                      <a:pPr latinLnBrk="1"/>
-                      <a:endParaRPr lang="ko-KR" altLang="en-US" sz="1050" dirty="0">
-                        <a:latin typeface="+mn-lt"/>
-                      </a:endParaRPr>
-                    </a:p>
-                  </a:txBody>
-                  <a:tcPr/>
-                </a:tc>
-                <a:extLst>
-                  <a:ext uri="{0D108BD9-81ED-4DB2-BD59-A6C34878D82A}">
-                    <a16:rowId xmlns:a16="http://schemas.microsoft.com/office/drawing/2014/main" val="332458919"/>
-                  </a:ext>
-                </a:extLst>
-              </a:tr>
-              <a:tr h="198331">
-                <a:tc>
-                  <a:txBody>
-                    <a:bodyPr/>
-                    <a:lstStyle/>
-                    <a:p>
-                      <a:pPr latinLnBrk="1"/>
-                      <a:r>
-                        <a:rPr lang="en-US" altLang="ko-KR" sz="1050" dirty="0">
-                          <a:latin typeface="+mn-lt"/>
-                        </a:rPr>
-                        <a:t>MPC-</a:t>
-                      </a:r>
-                      <a:endParaRPr lang="ko-KR" altLang="en-US" sz="1050" dirty="0">
-                        <a:latin typeface="+mn-lt"/>
-                      </a:endParaRPr>
-                    </a:p>
-                  </a:txBody>
-                  <a:tcPr/>
-                </a:tc>
-                <a:tc>
-                  <a:txBody>
-                    <a:bodyPr/>
-                    <a:lstStyle/>
-                    <a:p>
-                      <a:pPr latinLnBrk="1"/>
-                      <a:r>
-                        <a:rPr lang="en-US" altLang="ko-KR" sz="1050" dirty="0">
-                          <a:latin typeface="+mn-lt"/>
-                        </a:rPr>
-                        <a:t>74.34</a:t>
-                      </a:r>
-                      <a:endParaRPr lang="ko-KR" altLang="en-US" sz="1050" dirty="0">
-                        <a:latin typeface="+mn-lt"/>
-                      </a:endParaRPr>
-                    </a:p>
-                  </a:txBody>
-                  <a:tcPr/>
-                </a:tc>
-                <a:tc>
-                  <a:txBody>
-                    <a:bodyPr/>
-                    <a:lstStyle/>
-                    <a:p>
-                      <a:pPr latinLnBrk="1"/>
-                      <a:r>
-                        <a:rPr lang="en-US" altLang="ko-KR" sz="1050" dirty="0">
-                          <a:latin typeface="+mn-lt"/>
-                        </a:rPr>
-                        <a:t>0.010547</a:t>
-                      </a:r>
-                      <a:endParaRPr lang="ko-KR" altLang="en-US" sz="1050" dirty="0">
-                        <a:latin typeface="+mn-lt"/>
-                      </a:endParaRPr>
-                    </a:p>
-                  </a:txBody>
-                  <a:tcPr/>
-                </a:tc>
-                <a:tc>
-                  <a:txBody>
-                    <a:bodyPr/>
-                    <a:lstStyle/>
-                    <a:p>
-                      <a:pPr latinLnBrk="1"/>
-                      <a:r>
-                        <a:rPr lang="en-US" altLang="ko-KR" sz="1050" dirty="0">
-                          <a:latin typeface="+mn-lt"/>
-                        </a:rPr>
-                        <a:t>0.081385</a:t>
-                      </a:r>
-                      <a:endParaRPr lang="ko-KR" altLang="en-US" sz="1050" dirty="0">
-                        <a:latin typeface="+mn-lt"/>
-                      </a:endParaRPr>
-                    </a:p>
-                  </a:txBody>
-                  <a:tcPr/>
-                </a:tc>
-                <a:tc>
-                  <a:txBody>
-                    <a:bodyPr/>
-                    <a:lstStyle/>
-                    <a:p>
-                      <a:pPr latinLnBrk="1"/>
-                      <a:r>
-                        <a:rPr lang="en-US" altLang="ko-KR" sz="1050" dirty="0">
-                          <a:latin typeface="+mn-lt"/>
-                        </a:rPr>
-                        <a:t>6.989681</a:t>
-                      </a:r>
-                      <a:endParaRPr lang="ko-KR" altLang="en-US" sz="1050" dirty="0">
-                        <a:latin typeface="+mn-lt"/>
-                      </a:endParaRPr>
-                    </a:p>
-                  </a:txBody>
-                  <a:tcPr/>
-                </a:tc>
-                <a:extLst>
-                  <a:ext uri="{0D108BD9-81ED-4DB2-BD59-A6C34878D82A}">
-                    <a16:rowId xmlns:a16="http://schemas.microsoft.com/office/drawing/2014/main" val="2469210620"/>
-                  </a:ext>
-                </a:extLst>
-              </a:tr>
-              <a:tr h="198331">
-                <a:tc>
-                  <a:txBody>
-                    <a:bodyPr/>
-                    <a:lstStyle/>
-                    <a:p>
-                      <a:pPr latinLnBrk="1"/>
-                      <a:r>
-                        <a:rPr lang="en-US" altLang="ko-KR" sz="1050" dirty="0">
-                          <a:latin typeface="+mn-lt"/>
-                        </a:rPr>
-                        <a:t>Comparison</a:t>
-                      </a:r>
-                      <a:endParaRPr lang="ko-KR" altLang="en-US" sz="1050" dirty="0">
-                        <a:latin typeface="+mn-lt"/>
-                      </a:endParaRPr>
-                    </a:p>
-                  </a:txBody>
-                  <a:tcPr/>
-                </a:tc>
-                <a:tc>
-                  <a:txBody>
-                    <a:bodyPr/>
-                    <a:lstStyle/>
-                    <a:p>
-                      <a:pPr latinLnBrk="1"/>
-                      <a:endParaRPr lang="ko-KR" altLang="en-US" sz="1050" dirty="0">
-                        <a:latin typeface="+mn-lt"/>
-                      </a:endParaRPr>
-                    </a:p>
-                  </a:txBody>
-                  <a:tcPr/>
-                </a:tc>
-                <a:tc>
-                  <a:txBody>
-                    <a:bodyPr/>
-                    <a:lstStyle/>
-                    <a:p>
-                      <a:pPr latinLnBrk="1"/>
-                      <a:endParaRPr lang="ko-KR" altLang="en-US" sz="1050" dirty="0">
-                        <a:latin typeface="+mn-lt"/>
-                      </a:endParaRPr>
-                    </a:p>
-                  </a:txBody>
-                  <a:tcPr/>
-                </a:tc>
-                <a:tc>
-                  <a:txBody>
-                    <a:bodyPr/>
-                    <a:lstStyle/>
-                    <a:p>
-                      <a:pPr latinLnBrk="1"/>
-                      <a:endParaRPr lang="ko-KR" altLang="en-US" sz="1050" dirty="0">
-                        <a:latin typeface="+mn-lt"/>
-                      </a:endParaRPr>
-                    </a:p>
-                  </a:txBody>
-                  <a:tcPr/>
-                </a:tc>
-                <a:tc>
-                  <a:txBody>
-                    <a:bodyPr/>
-                    <a:lstStyle/>
-                    <a:p>
-                      <a:pPr latinLnBrk="1"/>
-                      <a:endParaRPr lang="ko-KR" altLang="en-US" sz="1050" dirty="0">
-                        <a:latin typeface="+mn-lt"/>
-                      </a:endParaRPr>
-                    </a:p>
-                  </a:txBody>
-                  <a:tcPr/>
-                </a:tc>
-                <a:extLst>
-                  <a:ext uri="{0D108BD9-81ED-4DB2-BD59-A6C34878D82A}">
-                    <a16:rowId xmlns:a16="http://schemas.microsoft.com/office/drawing/2014/main" val="2687899568"/>
-                  </a:ext>
-                </a:extLst>
-              </a:tr>
-            </a:tbl>
-          </a:graphicData>
-        </a:graphic>
-      </p:graphicFrame>
-      <p:pic>
-        <p:nvPicPr>
-          <p:cNvPr id="9" name="내용 개체 틀 8">
-            <a:extLst>
-              <a:ext uri="{FF2B5EF4-FFF2-40B4-BE49-F238E27FC236}">
-                <a16:creationId xmlns:a16="http://schemas.microsoft.com/office/drawing/2014/main" id="{257D6E9D-4BFF-75B4-F498-B49362179741}"/>
-              </a:ext>
-            </a:extLst>
-          </p:cNvPr>
-          <p:cNvPicPr>
-            <a:picLocks noGrp="1" noChangeAspect="1"/>
-          </p:cNvPicPr>
-          <p:nvPr>
-            <p:ph idx="1"/>
-          </p:nvPr>
-        </p:nvPicPr>
-        <p:blipFill>
-          <a:blip r:embed="rId2"/>
-          <a:stretch>
-            <a:fillRect/>
-          </a:stretch>
-        </p:blipFill>
-        <p:spPr>
-          <a:xfrm>
-            <a:off x="1821964" y="2397863"/>
-            <a:ext cx="8158758" cy="4351338"/>
-          </a:xfrm>
-        </p:spPr>
-      </p:pic>
-    </p:spTree>
-    <p:extLst>
-      <p:ext uri="{BB962C8B-B14F-4D97-AF65-F5344CB8AC3E}">
-        <p14:creationId xmlns:p14="http://schemas.microsoft.com/office/powerpoint/2010/main" val="1092952097"/>
-      </p:ext>
-    </p:extLst>
-  </p:cSld>
-  <p:clrMapOvr>
-    <a:masterClrMapping/>
-  </p:clrMapOvr>
-</p:sld>
-</file>
-
 <file path=ppt/slides/slide6.xml><?xml version="1.0" encoding="utf-8"?>
 <p:sld xmlns:a="http://schemas.openxmlformats.org/drawingml/2006/main" xmlns:r="http://schemas.openxmlformats.org/officeDocument/2006/relationships" xmlns:p="http://schemas.openxmlformats.org/presentationml/2006/main">
   <p:cSld>
@@ -5300,7 +5677,7 @@
           <p:cNvPr id="2" name="제목 1">
             <a:extLst>
               <a:ext uri="{FF2B5EF4-FFF2-40B4-BE49-F238E27FC236}">
-                <a16:creationId xmlns:a16="http://schemas.microsoft.com/office/drawing/2014/main" id="{E3F1444C-4FE6-32B3-9F96-E994180D0BA0}"/>
+                <a16:creationId xmlns:a16="http://schemas.microsoft.com/office/drawing/2014/main" id="{8014F0C2-57B0-E34B-5AB6-C17EFE39B993}"/>
               </a:ext>
             </a:extLst>
           </p:cNvPr>
@@ -5313,19 +5690,538 @@
         </p:nvSpPr>
         <p:spPr/>
         <p:txBody>
-          <a:bodyPr/>
+          <a:bodyPr>
+            <a:normAutofit/>
+          </a:bodyPr>
           <a:lstStyle/>
           <a:p>
-            <a:endParaRPr lang="ko-KR" altLang="en-US"/>
-          </a:p>
-        </p:txBody>
-      </p:sp>
+            <a:r>
+              <a:rPr lang="en-US" altLang="ko-KR" dirty="0"/>
+              <a:t>RAMP</a:t>
+            </a:r>
+            <a:endParaRPr lang="ko-KR" altLang="en-US" dirty="0"/>
+          </a:p>
+        </p:txBody>
+      </p:sp>
+      <p:graphicFrame>
+        <p:nvGraphicFramePr>
+          <p:cNvPr id="3" name="표 2">
+            <a:extLst>
+              <a:ext uri="{FF2B5EF4-FFF2-40B4-BE49-F238E27FC236}">
+                <a16:creationId xmlns:a16="http://schemas.microsoft.com/office/drawing/2014/main" id="{384B5F6D-7B82-F560-BDCF-C3B6F27B116C}"/>
+              </a:ext>
+            </a:extLst>
+          </p:cNvPr>
+          <p:cNvGraphicFramePr>
+            <a:graphicFrameLocks noGrp="1"/>
+          </p:cNvGraphicFramePr>
+          <p:nvPr>
+            <p:extLst>
+              <p:ext uri="{D42A27DB-BD31-4B8C-83A1-F6EECF244321}">
+                <p14:modId xmlns:p14="http://schemas.microsoft.com/office/powerpoint/2010/main" val="2092575555"/>
+              </p:ext>
+            </p:extLst>
+          </p:nvPr>
+        </p:nvGraphicFramePr>
+        <p:xfrm>
+          <a:off x="2148917" y="1076163"/>
+          <a:ext cx="7256208" cy="1303020"/>
+        </p:xfrm>
+        <a:graphic>
+          <a:graphicData uri="http://schemas.openxmlformats.org/drawingml/2006/table">
+            <a:tbl>
+              <a:tblPr firstRow="1" bandRow="1">
+                <a:tableStyleId>{073A0DAA-6AF3-43AB-8588-CEC1D06C72B9}</a:tableStyleId>
+              </a:tblPr>
+              <a:tblGrid>
+                <a:gridCol w="1209368">
+                  <a:extLst>
+                    <a:ext uri="{9D8B030D-6E8A-4147-A177-3AD203B41FA5}">
+                      <a16:colId xmlns:a16="http://schemas.microsoft.com/office/drawing/2014/main" val="620353911"/>
+                    </a:ext>
+                  </a:extLst>
+                </a:gridCol>
+                <a:gridCol w="1209368">
+                  <a:extLst>
+                    <a:ext uri="{9D8B030D-6E8A-4147-A177-3AD203B41FA5}">
+                      <a16:colId xmlns:a16="http://schemas.microsoft.com/office/drawing/2014/main" val="587391845"/>
+                    </a:ext>
+                  </a:extLst>
+                </a:gridCol>
+                <a:gridCol w="1209368">
+                  <a:extLst>
+                    <a:ext uri="{9D8B030D-6E8A-4147-A177-3AD203B41FA5}">
+                      <a16:colId xmlns:a16="http://schemas.microsoft.com/office/drawing/2014/main" val="2397005817"/>
+                    </a:ext>
+                  </a:extLst>
+                </a:gridCol>
+                <a:gridCol w="1209368">
+                  <a:extLst>
+                    <a:ext uri="{9D8B030D-6E8A-4147-A177-3AD203B41FA5}">
+                      <a16:colId xmlns:a16="http://schemas.microsoft.com/office/drawing/2014/main" val="2977948428"/>
+                    </a:ext>
+                  </a:extLst>
+                </a:gridCol>
+                <a:gridCol w="1209368">
+                  <a:extLst>
+                    <a:ext uri="{9D8B030D-6E8A-4147-A177-3AD203B41FA5}">
+                      <a16:colId xmlns:a16="http://schemas.microsoft.com/office/drawing/2014/main" val="373563084"/>
+                    </a:ext>
+                  </a:extLst>
+                </a:gridCol>
+                <a:gridCol w="1209368">
+                  <a:extLst>
+                    <a:ext uri="{9D8B030D-6E8A-4147-A177-3AD203B41FA5}">
+                      <a16:colId xmlns:a16="http://schemas.microsoft.com/office/drawing/2014/main" val="130976618"/>
+                    </a:ext>
+                  </a:extLst>
+                </a:gridCol>
+              </a:tblGrid>
+              <a:tr h="351629">
+                <a:tc>
+                  <a:txBody>
+                    <a:bodyPr/>
+                    <a:lstStyle/>
+                    <a:p>
+                      <a:pPr latinLnBrk="1"/>
+                      <a:r>
+                        <a:rPr lang="en-US" altLang="ko-KR" sz="1000" b="0" dirty="0"/>
+                        <a:t>Name</a:t>
+                      </a:r>
+                      <a:endParaRPr lang="ko-KR" altLang="en-US" sz="1000" b="0" dirty="0">
+                        <a:latin typeface="+mn-lt"/>
+                      </a:endParaRPr>
+                    </a:p>
+                  </a:txBody>
+                  <a:tcPr/>
+                </a:tc>
+                <a:tc>
+                  <a:txBody>
+                    <a:bodyPr/>
+                    <a:lstStyle/>
+                    <a:p>
+                      <a:pPr latinLnBrk="1"/>
+                      <a:r>
+                        <a:rPr lang="en-US" altLang="ko-KR" sz="1000" b="0" dirty="0"/>
+                        <a:t>Time (s)</a:t>
+                      </a:r>
+                      <a:endParaRPr lang="ko-KR" altLang="en-US" sz="1000" b="0" dirty="0">
+                        <a:latin typeface="+mn-lt"/>
+                      </a:endParaRPr>
+                    </a:p>
+                  </a:txBody>
+                  <a:tcPr/>
+                </a:tc>
+                <a:tc>
+                  <a:txBody>
+                    <a:bodyPr/>
+                    <a:lstStyle/>
+                    <a:p>
+                      <a:pPr latinLnBrk="1"/>
+                      <a:r>
+                        <a:rPr lang="en-US" altLang="ko-KR" sz="1000" b="0" dirty="0"/>
+                        <a:t>Roll rate</a:t>
+                      </a:r>
+                      <a:endParaRPr lang="ko-KR" altLang="en-US" sz="1000" b="0" dirty="0">
+                        <a:latin typeface="+mn-lt"/>
+                      </a:endParaRPr>
+                    </a:p>
+                  </a:txBody>
+                  <a:tcPr/>
+                </a:tc>
+                <a:tc>
+                  <a:txBody>
+                    <a:bodyPr/>
+                    <a:lstStyle/>
+                    <a:p>
+                      <a:pPr latinLnBrk="1"/>
+                      <a:r>
+                        <a:rPr lang="en-US" altLang="ko-KR" sz="1000" b="0" dirty="0"/>
+                        <a:t>Yaw rate</a:t>
+                      </a:r>
+                      <a:endParaRPr lang="ko-KR" altLang="en-US" sz="1000" b="0" dirty="0">
+                        <a:latin typeface="+mn-lt"/>
+                      </a:endParaRPr>
+                    </a:p>
+                  </a:txBody>
+                  <a:tcPr/>
+                </a:tc>
+                <a:tc>
+                  <a:txBody>
+                    <a:bodyPr/>
+                    <a:lstStyle/>
+                    <a:p>
+                      <a:pPr latinLnBrk="1"/>
+                      <a:r>
+                        <a:rPr lang="en-US" altLang="ko-KR" sz="1000" b="0" dirty="0"/>
+                        <a:t>Maximum lateral acceleration (m/s^2)</a:t>
+                      </a:r>
+                      <a:endParaRPr lang="ko-KR" altLang="en-US" sz="1000" b="0" dirty="0">
+                        <a:latin typeface="+mn-lt"/>
+                      </a:endParaRPr>
+                    </a:p>
+                  </a:txBody>
+                  <a:tcPr/>
+                </a:tc>
+                <a:tc>
+                  <a:txBody>
+                    <a:bodyPr/>
+                    <a:lstStyle/>
+                    <a:p>
+                      <a:pPr latinLnBrk="1"/>
+                      <a:r>
+                        <a:rPr lang="en-US" altLang="ko-KR" sz="1000" b="0" dirty="0">
+                          <a:latin typeface="+mn-lt"/>
+                        </a:rPr>
+                        <a:t>Total Distance</a:t>
+                      </a:r>
+                    </a:p>
+                    <a:p>
+                      <a:pPr latinLnBrk="1"/>
+                      <a:r>
+                        <a:rPr lang="en-US" altLang="ko-KR" sz="1000" b="0" dirty="0">
+                          <a:latin typeface="+mn-lt"/>
+                        </a:rPr>
+                        <a:t>(m)</a:t>
+                      </a:r>
+                      <a:endParaRPr lang="ko-KR" altLang="en-US" sz="1000" b="0" dirty="0">
+                        <a:latin typeface="+mn-lt"/>
+                      </a:endParaRPr>
+                    </a:p>
+                  </a:txBody>
+                  <a:tcPr/>
+                </a:tc>
+                <a:extLst>
+                  <a:ext uri="{0D108BD9-81ED-4DB2-BD59-A6C34878D82A}">
+                    <a16:rowId xmlns:a16="http://schemas.microsoft.com/office/drawing/2014/main" val="168695393"/>
+                  </a:ext>
+                </a:extLst>
+              </a:tr>
+              <a:tr h="198331">
+                <a:tc>
+                  <a:txBody>
+                    <a:bodyPr/>
+                    <a:lstStyle/>
+                    <a:p>
+                      <a:pPr latinLnBrk="1"/>
+                      <a:r>
+                        <a:rPr lang="en-US" altLang="ko-KR" sz="1050" dirty="0">
+                          <a:latin typeface="+mn-lt"/>
+                        </a:rPr>
+                        <a:t>IPG</a:t>
+                      </a:r>
+                      <a:endParaRPr lang="ko-KR" altLang="en-US" sz="1050" dirty="0">
+                        <a:latin typeface="+mn-lt"/>
+                      </a:endParaRPr>
+                    </a:p>
+                  </a:txBody>
+                  <a:tcPr/>
+                </a:tc>
+                <a:tc>
+                  <a:txBody>
+                    <a:bodyPr/>
+                    <a:lstStyle/>
+                    <a:p>
+                      <a:pPr latinLnBrk="1"/>
+                      <a:endParaRPr lang="ko-KR" altLang="en-US" sz="1050" dirty="0">
+                        <a:latin typeface="+mn-lt"/>
+                      </a:endParaRPr>
+                    </a:p>
+                  </a:txBody>
+                  <a:tcPr/>
+                </a:tc>
+                <a:tc>
+                  <a:txBody>
+                    <a:bodyPr/>
+                    <a:lstStyle/>
+                    <a:p>
+                      <a:pPr latinLnBrk="1"/>
+                      <a:endParaRPr lang="ko-KR" altLang="en-US" sz="1050" dirty="0">
+                        <a:latin typeface="+mn-lt"/>
+                      </a:endParaRPr>
+                    </a:p>
+                  </a:txBody>
+                  <a:tcPr/>
+                </a:tc>
+                <a:tc>
+                  <a:txBody>
+                    <a:bodyPr/>
+                    <a:lstStyle/>
+                    <a:p>
+                      <a:pPr latinLnBrk="1"/>
+                      <a:endParaRPr lang="ko-KR" altLang="en-US" sz="1050" dirty="0">
+                        <a:latin typeface="+mn-lt"/>
+                      </a:endParaRPr>
+                    </a:p>
+                  </a:txBody>
+                  <a:tcPr/>
+                </a:tc>
+                <a:tc>
+                  <a:txBody>
+                    <a:bodyPr/>
+                    <a:lstStyle/>
+                    <a:p>
+                      <a:pPr latinLnBrk="1"/>
+                      <a:endParaRPr lang="ko-KR" altLang="en-US" sz="1050" dirty="0">
+                        <a:latin typeface="+mn-lt"/>
+                      </a:endParaRPr>
+                    </a:p>
+                  </a:txBody>
+                  <a:tcPr/>
+                </a:tc>
+                <a:tc>
+                  <a:txBody>
+                    <a:bodyPr/>
+                    <a:lstStyle/>
+                    <a:p>
+                      <a:pPr latinLnBrk="1"/>
+                      <a:r>
+                        <a:rPr lang="en-US" altLang="ko-KR" sz="1050" dirty="0">
+                          <a:latin typeface="+mn-lt"/>
+                        </a:rPr>
+                        <a:t>1027.629679</a:t>
+                      </a:r>
+                      <a:endParaRPr lang="ko-KR" altLang="en-US" sz="1050" dirty="0">
+                        <a:latin typeface="+mn-lt"/>
+                      </a:endParaRPr>
+                    </a:p>
+                  </a:txBody>
+                  <a:tcPr/>
+                </a:tc>
+                <a:extLst>
+                  <a:ext uri="{0D108BD9-81ED-4DB2-BD59-A6C34878D82A}">
+                    <a16:rowId xmlns:a16="http://schemas.microsoft.com/office/drawing/2014/main" val="332458919"/>
+                  </a:ext>
+                </a:extLst>
+              </a:tr>
+              <a:tr h="198331">
+                <a:tc>
+                  <a:txBody>
+                    <a:bodyPr/>
+                    <a:lstStyle/>
+                    <a:p>
+                      <a:pPr latinLnBrk="1"/>
+                      <a:r>
+                        <a:rPr lang="en-US" altLang="ko-KR" sz="1050" dirty="0">
+                          <a:latin typeface="+mn-lt"/>
+                        </a:rPr>
+                        <a:t>MPC-</a:t>
+                      </a:r>
+                      <a:endParaRPr lang="ko-KR" altLang="en-US" sz="1050" dirty="0">
+                        <a:latin typeface="+mn-lt"/>
+                      </a:endParaRPr>
+                    </a:p>
+                  </a:txBody>
+                  <a:tcPr/>
+                </a:tc>
+                <a:tc>
+                  <a:txBody>
+                    <a:bodyPr/>
+                    <a:lstStyle/>
+                    <a:p>
+                      <a:pPr latinLnBrk="1"/>
+                      <a:r>
+                        <a:rPr lang="en-US" altLang="ko-KR" sz="1050" dirty="0">
+                          <a:latin typeface="+mn-lt"/>
+                        </a:rPr>
+                        <a:t>74.34</a:t>
+                      </a:r>
+                      <a:endParaRPr lang="ko-KR" altLang="en-US" sz="1050" dirty="0">
+                        <a:latin typeface="+mn-lt"/>
+                      </a:endParaRPr>
+                    </a:p>
+                  </a:txBody>
+                  <a:tcPr/>
+                </a:tc>
+                <a:tc>
+                  <a:txBody>
+                    <a:bodyPr/>
+                    <a:lstStyle/>
+                    <a:p>
+                      <a:pPr latinLnBrk="1"/>
+                      <a:r>
+                        <a:rPr lang="en-US" altLang="ko-KR" sz="1050" dirty="0">
+                          <a:latin typeface="+mn-lt"/>
+                        </a:rPr>
+                        <a:t>0.010547</a:t>
+                      </a:r>
+                      <a:endParaRPr lang="ko-KR" altLang="en-US" sz="1050" dirty="0">
+                        <a:latin typeface="+mn-lt"/>
+                      </a:endParaRPr>
+                    </a:p>
+                  </a:txBody>
+                  <a:tcPr/>
+                </a:tc>
+                <a:tc>
+                  <a:txBody>
+                    <a:bodyPr/>
+                    <a:lstStyle/>
+                    <a:p>
+                      <a:pPr latinLnBrk="1"/>
+                      <a:r>
+                        <a:rPr lang="en-US" altLang="ko-KR" sz="1050" dirty="0">
+                          <a:latin typeface="+mn-lt"/>
+                        </a:rPr>
+                        <a:t>0.081385</a:t>
+                      </a:r>
+                      <a:endParaRPr lang="ko-KR" altLang="en-US" sz="1050" dirty="0">
+                        <a:latin typeface="+mn-lt"/>
+                      </a:endParaRPr>
+                    </a:p>
+                  </a:txBody>
+                  <a:tcPr/>
+                </a:tc>
+                <a:tc>
+                  <a:txBody>
+                    <a:bodyPr/>
+                    <a:lstStyle/>
+                    <a:p>
+                      <a:pPr latinLnBrk="1"/>
+                      <a:r>
+                        <a:rPr lang="en-US" altLang="ko-KR" sz="1050" dirty="0">
+                          <a:latin typeface="+mn-lt"/>
+                        </a:rPr>
+                        <a:t>6.989681</a:t>
+                      </a:r>
+                      <a:endParaRPr lang="ko-KR" altLang="en-US" sz="1050" dirty="0">
+                        <a:latin typeface="+mn-lt"/>
+                      </a:endParaRPr>
+                    </a:p>
+                  </a:txBody>
+                  <a:tcPr/>
+                </a:tc>
+                <a:tc>
+                  <a:txBody>
+                    <a:bodyPr/>
+                    <a:lstStyle/>
+                    <a:p>
+                      <a:pPr latinLnBrk="1"/>
+                      <a:r>
+                        <a:rPr lang="en-US" altLang="ko-KR" sz="1050" dirty="0">
+                          <a:latin typeface="+mn-lt"/>
+                        </a:rPr>
+                        <a:t>1027.114899</a:t>
+                      </a:r>
+                      <a:endParaRPr lang="ko-KR" altLang="en-US" sz="1050" dirty="0">
+                        <a:latin typeface="+mn-lt"/>
+                      </a:endParaRPr>
+                    </a:p>
+                  </a:txBody>
+                  <a:tcPr/>
+                </a:tc>
+                <a:extLst>
+                  <a:ext uri="{0D108BD9-81ED-4DB2-BD59-A6C34878D82A}">
+                    <a16:rowId xmlns:a16="http://schemas.microsoft.com/office/drawing/2014/main" val="2469210620"/>
+                  </a:ext>
+                </a:extLst>
+              </a:tr>
+              <a:tr h="198331">
+                <a:tc>
+                  <a:txBody>
+                    <a:bodyPr/>
+                    <a:lstStyle/>
+                    <a:p>
+                      <a:pPr latinLnBrk="1"/>
+                      <a:r>
+                        <a:rPr lang="en-US" altLang="ko-KR" sz="1050" dirty="0">
+                          <a:latin typeface="+mn-lt"/>
+                        </a:rPr>
+                        <a:t>Comparison</a:t>
+                      </a:r>
+                      <a:endParaRPr lang="ko-KR" altLang="en-US" sz="1050" dirty="0">
+                        <a:latin typeface="+mn-lt"/>
+                      </a:endParaRPr>
+                    </a:p>
+                  </a:txBody>
+                  <a:tcPr/>
+                </a:tc>
+                <a:tc>
+                  <a:txBody>
+                    <a:bodyPr/>
+                    <a:lstStyle/>
+                    <a:p>
+                      <a:pPr latinLnBrk="1"/>
+                      <a:endParaRPr lang="ko-KR" altLang="en-US" sz="1050" dirty="0">
+                        <a:latin typeface="+mn-lt"/>
+                      </a:endParaRPr>
+                    </a:p>
+                  </a:txBody>
+                  <a:tcPr/>
+                </a:tc>
+                <a:tc>
+                  <a:txBody>
+                    <a:bodyPr/>
+                    <a:lstStyle/>
+                    <a:p>
+                      <a:pPr latinLnBrk="1"/>
+                      <a:endParaRPr lang="ko-KR" altLang="en-US" sz="1050" dirty="0">
+                        <a:latin typeface="+mn-lt"/>
+                      </a:endParaRPr>
+                    </a:p>
+                  </a:txBody>
+                  <a:tcPr/>
+                </a:tc>
+                <a:tc>
+                  <a:txBody>
+                    <a:bodyPr/>
+                    <a:lstStyle/>
+                    <a:p>
+                      <a:pPr latinLnBrk="1"/>
+                      <a:endParaRPr lang="ko-KR" altLang="en-US" sz="1050" dirty="0">
+                        <a:latin typeface="+mn-lt"/>
+                      </a:endParaRPr>
+                    </a:p>
+                  </a:txBody>
+                  <a:tcPr/>
+                </a:tc>
+                <a:tc>
+                  <a:txBody>
+                    <a:bodyPr/>
+                    <a:lstStyle/>
+                    <a:p>
+                      <a:pPr latinLnBrk="1"/>
+                      <a:endParaRPr lang="ko-KR" altLang="en-US" sz="1050" dirty="0">
+                        <a:latin typeface="+mn-lt"/>
+                      </a:endParaRPr>
+                    </a:p>
+                  </a:txBody>
+                  <a:tcPr/>
+                </a:tc>
+                <a:tc>
+                  <a:txBody>
+                    <a:bodyPr/>
+                    <a:lstStyle/>
+                    <a:p>
+                      <a:pPr latinLnBrk="1"/>
+                      <a:r>
+                        <a:rPr lang="en-US" altLang="ko-KR" sz="1050">
+                          <a:latin typeface="+mn-lt"/>
+                        </a:rPr>
+                        <a:t>-0.050094</a:t>
+                      </a:r>
+                      <a:endParaRPr lang="ko-KR" altLang="en-US" sz="1050" dirty="0">
+                        <a:latin typeface="+mn-lt"/>
+                      </a:endParaRPr>
+                    </a:p>
+                  </a:txBody>
+                  <a:tcPr/>
+                </a:tc>
+                <a:extLst>
+                  <a:ext uri="{0D108BD9-81ED-4DB2-BD59-A6C34878D82A}">
+                    <a16:rowId xmlns:a16="http://schemas.microsoft.com/office/drawing/2014/main" val="2687899568"/>
+                  </a:ext>
+                </a:extLst>
+              </a:tr>
+            </a:tbl>
+          </a:graphicData>
+        </a:graphic>
+      </p:graphicFrame>
       <p:pic>
         <p:nvPicPr>
-          <p:cNvPr id="5" name="내용 개체 틀 4">
-            <a:extLst>
-              <a:ext uri="{FF2B5EF4-FFF2-40B4-BE49-F238E27FC236}">
-                <a16:creationId xmlns:a16="http://schemas.microsoft.com/office/drawing/2014/main" id="{7F58C6D6-725D-2896-9C01-60AEA1152456}"/>
+          <p:cNvPr id="8" name="내용 개체 틀 7">
+            <a:extLst>
+              <a:ext uri="{FF2B5EF4-FFF2-40B4-BE49-F238E27FC236}">
+                <a16:creationId xmlns:a16="http://schemas.microsoft.com/office/drawing/2014/main" id="{D5DC6D73-5D37-C075-2930-ACEAE702AAEF}"/>
               </a:ext>
             </a:extLst>
           </p:cNvPr>
@@ -5344,20 +6240,89 @@
         </p:blipFill>
         <p:spPr>
           <a:xfrm>
-            <a:off x="1878669" y="1825625"/>
-            <a:ext cx="8045724" cy="4351338"/>
+            <a:off x="2048935" y="2423502"/>
+            <a:ext cx="7705192" cy="4351338"/>
           </a:xfrm>
-          <a:ln>
-            <a:solidFill>
-              <a:schemeClr val="tx1"/>
-            </a:solidFill>
-          </a:ln>
         </p:spPr>
       </p:pic>
+      <p:pic>
+        <p:nvPicPr>
+          <p:cNvPr id="10" name="그림 9">
+            <a:extLst>
+              <a:ext uri="{FF2B5EF4-FFF2-40B4-BE49-F238E27FC236}">
+                <a16:creationId xmlns:a16="http://schemas.microsoft.com/office/drawing/2014/main" id="{53AF05F3-1F6E-3A15-1057-F0D66E42D050}"/>
+              </a:ext>
+            </a:extLst>
+          </p:cNvPr>
+          <p:cNvPicPr>
+            <a:picLocks noChangeAspect="1"/>
+          </p:cNvPicPr>
+          <p:nvPr/>
+        </p:nvPicPr>
+        <p:blipFill>
+          <a:blip r:embed="rId3"/>
+          <a:stretch>
+            <a:fillRect/>
+          </a:stretch>
+        </p:blipFill>
+        <p:spPr>
+          <a:xfrm>
+            <a:off x="9997482" y="176434"/>
+            <a:ext cx="1505160" cy="1028844"/>
+          </a:xfrm>
+          <a:prstGeom prst="rect">
+            <a:avLst/>
+          </a:prstGeom>
+        </p:spPr>
+      </p:pic>
+      <p:sp>
+        <p:nvSpPr>
+          <p:cNvPr id="11" name="TextBox 10">
+            <a:extLst>
+              <a:ext uri="{FF2B5EF4-FFF2-40B4-BE49-F238E27FC236}">
+                <a16:creationId xmlns:a16="http://schemas.microsoft.com/office/drawing/2014/main" id="{308A84F4-D2B1-68B4-864D-A97EFFC7DC63}"/>
+              </a:ext>
+            </a:extLst>
+          </p:cNvPr>
+          <p:cNvSpPr txBox="1"/>
+          <p:nvPr/>
+        </p:nvSpPr>
+        <p:spPr>
+          <a:xfrm>
+            <a:off x="7010767" y="506190"/>
+            <a:ext cx="2986715" cy="369332"/>
+          </a:xfrm>
+          <a:prstGeom prst="rect">
+            <a:avLst/>
+          </a:prstGeom>
+          <a:noFill/>
+        </p:spPr>
+        <p:txBody>
+          <a:bodyPr wrap="none" rtlCol="0">
+            <a:spAutoFit/>
+          </a:bodyPr>
+          <a:lstStyle/>
+          <a:p>
+            <a:r>
+              <a:rPr lang="en-US" altLang="ko-KR" dirty="0"/>
+              <a:t>Ramp </a:t>
+            </a:r>
+            <a:r>
+              <a:rPr lang="ko-KR" altLang="en-US" dirty="0"/>
+              <a:t>추가 결과 입니다 </a:t>
+            </a:r>
+            <a:r>
+              <a:rPr lang="en-US" altLang="ko-KR" dirty="0"/>
+              <a:t>-&gt;</a:t>
+            </a:r>
+            <a:endParaRPr lang="ko-KR" altLang="en-US" dirty="0"/>
+          </a:p>
+        </p:txBody>
+      </p:sp>
     </p:spTree>
     <p:extLst>
       <p:ext uri="{BB962C8B-B14F-4D97-AF65-F5344CB8AC3E}">
-        <p14:creationId xmlns:p14="http://schemas.microsoft.com/office/powerpoint/2010/main" val="1938051851"/>
+        <p14:creationId xmlns:p14="http://schemas.microsoft.com/office/powerpoint/2010/main" val="1092952097"/>
       </p:ext>
     </p:extLst>
   </p:cSld>
@@ -5389,7 +6354,7 @@
           <p:cNvPr id="2" name="제목 1">
             <a:extLst>
               <a:ext uri="{FF2B5EF4-FFF2-40B4-BE49-F238E27FC236}">
-                <a16:creationId xmlns:a16="http://schemas.microsoft.com/office/drawing/2014/main" id="{68B3192C-1D29-8693-E1B1-7A13FDE4307A}"/>
+                <a16:creationId xmlns:a16="http://schemas.microsoft.com/office/drawing/2014/main" id="{E3F1444C-4FE6-32B3-9F96-E994180D0BA0}"/>
               </a:ext>
             </a:extLst>
           </p:cNvPr>
@@ -5411,10 +6376,10 @@
       </p:sp>
       <p:pic>
         <p:nvPicPr>
-          <p:cNvPr id="5" name="내용 개체 틀 4">
-            <a:extLst>
-              <a:ext uri="{FF2B5EF4-FFF2-40B4-BE49-F238E27FC236}">
-                <a16:creationId xmlns:a16="http://schemas.microsoft.com/office/drawing/2014/main" id="{44008AF7-4314-C867-46FA-5E62D9654E3F}"/>
+          <p:cNvPr id="7" name="내용 개체 틀 6">
+            <a:extLst>
+              <a:ext uri="{FF2B5EF4-FFF2-40B4-BE49-F238E27FC236}">
+                <a16:creationId xmlns:a16="http://schemas.microsoft.com/office/drawing/2014/main" id="{47FD240C-097C-476E-ABF3-8F808763ED24}"/>
               </a:ext>
             </a:extLst>
           </p:cNvPr>
@@ -5433,15 +6398,15 @@
         </p:blipFill>
         <p:spPr>
           <a:xfrm>
-            <a:off x="1827693" y="1825625"/>
-            <a:ext cx="8147677" cy="4351338"/>
+            <a:off x="2118692" y="1825625"/>
+            <a:ext cx="7565678" cy="4351338"/>
           </a:xfrm>
         </p:spPr>
       </p:pic>
     </p:spTree>
     <p:extLst>
       <p:ext uri="{BB962C8B-B14F-4D97-AF65-F5344CB8AC3E}">
-        <p14:creationId xmlns:p14="http://schemas.microsoft.com/office/powerpoint/2010/main" val="4033490373"/>
+        <p14:creationId xmlns:p14="http://schemas.microsoft.com/office/powerpoint/2010/main" val="1938051851"/>
       </p:ext>
     </p:extLst>
   </p:cSld>
@@ -5473,7 +6438,7 @@
           <p:cNvPr id="2" name="제목 1">
             <a:extLst>
               <a:ext uri="{FF2B5EF4-FFF2-40B4-BE49-F238E27FC236}">
-                <a16:creationId xmlns:a16="http://schemas.microsoft.com/office/drawing/2014/main" id="{06CE5658-2AFD-6500-304F-231C2065DB2F}"/>
+                <a16:creationId xmlns:a16="http://schemas.microsoft.com/office/drawing/2014/main" id="{68B3192C-1D29-8693-E1B1-7A13FDE4307A}"/>
               </a:ext>
             </a:extLst>
           </p:cNvPr>
@@ -5495,10 +6460,10 @@
       </p:sp>
       <p:pic>
         <p:nvPicPr>
-          <p:cNvPr id="5" name="내용 개체 틀 4">
-            <a:extLst>
-              <a:ext uri="{FF2B5EF4-FFF2-40B4-BE49-F238E27FC236}">
-                <a16:creationId xmlns:a16="http://schemas.microsoft.com/office/drawing/2014/main" id="{D48D1CDF-EC0E-14F4-293F-784169D25D67}"/>
+          <p:cNvPr id="13" name="내용 개체 틀 12">
+            <a:extLst>
+              <a:ext uri="{FF2B5EF4-FFF2-40B4-BE49-F238E27FC236}">
+                <a16:creationId xmlns:a16="http://schemas.microsoft.com/office/drawing/2014/main" id="{064BB402-B682-E56B-C8E0-D7EA3DB502E0}"/>
               </a:ext>
             </a:extLst>
           </p:cNvPr>
@@ -5517,20 +6482,15 @@
         </p:blipFill>
         <p:spPr>
           <a:xfrm>
-            <a:off x="1855248" y="1825625"/>
-            <a:ext cx="8092567" cy="4351338"/>
+            <a:off x="2066241" y="1825625"/>
+            <a:ext cx="7670581" cy="4351338"/>
           </a:xfrm>
-          <a:ln>
-            <a:solidFill>
-              <a:schemeClr val="tx1"/>
-            </a:solidFill>
-          </a:ln>
         </p:spPr>
       </p:pic>
     </p:spTree>
     <p:extLst>
       <p:ext uri="{BB962C8B-B14F-4D97-AF65-F5344CB8AC3E}">
-        <p14:creationId xmlns:p14="http://schemas.microsoft.com/office/powerpoint/2010/main" val="3248283814"/>
+        <p14:creationId xmlns:p14="http://schemas.microsoft.com/office/powerpoint/2010/main" val="4033490373"/>
       </p:ext>
     </p:extLst>
   </p:cSld>
@@ -5562,7 +6522,7 @@
           <p:cNvPr id="2" name="제목 1">
             <a:extLst>
               <a:ext uri="{FF2B5EF4-FFF2-40B4-BE49-F238E27FC236}">
-                <a16:creationId xmlns:a16="http://schemas.microsoft.com/office/drawing/2014/main" id="{53C45EBD-9EC1-4337-D5EA-376E687D6258}"/>
+                <a16:creationId xmlns:a16="http://schemas.microsoft.com/office/drawing/2014/main" id="{06CE5658-2AFD-6500-304F-231C2065DB2F}"/>
               </a:ext>
             </a:extLst>
           </p:cNvPr>
@@ -5578,579 +6538,25 @@
           <a:bodyPr/>
           <a:lstStyle/>
           <a:p>
-            <a:r>
-              <a:rPr lang="en-US" altLang="ko-KR" dirty="0"/>
-              <a:t>TOTAL</a:t>
-            </a:r>
-            <a:endParaRPr lang="ko-KR" altLang="en-US" dirty="0"/>
-          </a:p>
-        </p:txBody>
-      </p:sp>
-      <p:graphicFrame>
-        <p:nvGraphicFramePr>
-          <p:cNvPr id="4" name="표 3">
-            <a:extLst>
-              <a:ext uri="{FF2B5EF4-FFF2-40B4-BE49-F238E27FC236}">
-                <a16:creationId xmlns:a16="http://schemas.microsoft.com/office/drawing/2014/main" id="{49778459-9BDF-AE39-A62B-807C14C7D55D}"/>
-              </a:ext>
-            </a:extLst>
-          </p:cNvPr>
-          <p:cNvGraphicFramePr>
-            <a:graphicFrameLocks noGrp="1"/>
-          </p:cNvGraphicFramePr>
-          <p:nvPr>
-            <p:extLst>
-              <p:ext uri="{D42A27DB-BD31-4B8C-83A1-F6EECF244321}">
-                <p14:modId xmlns:p14="http://schemas.microsoft.com/office/powerpoint/2010/main" val="3552048678"/>
-              </p:ext>
-            </p:extLst>
-          </p:nvPr>
-        </p:nvGraphicFramePr>
-        <p:xfrm>
-          <a:off x="1073684" y="1329403"/>
-          <a:ext cx="9586452" cy="1200203"/>
-        </p:xfrm>
-        <a:graphic>
-          <a:graphicData uri="http://schemas.openxmlformats.org/drawingml/2006/table">
-            <a:tbl>
-              <a:tblPr firstRow="1" bandRow="1">
-                <a:tableStyleId>{073A0DAA-6AF3-43AB-8588-CEC1D06C72B9}</a:tableStyleId>
-              </a:tblPr>
-              <a:tblGrid>
-                <a:gridCol w="1597742">
-                  <a:extLst>
-                    <a:ext uri="{9D8B030D-6E8A-4147-A177-3AD203B41FA5}">
-                      <a16:colId xmlns:a16="http://schemas.microsoft.com/office/drawing/2014/main" val="620353911"/>
-                    </a:ext>
-                  </a:extLst>
-                </a:gridCol>
-                <a:gridCol w="1597742">
-                  <a:extLst>
-                    <a:ext uri="{9D8B030D-6E8A-4147-A177-3AD203B41FA5}">
-                      <a16:colId xmlns:a16="http://schemas.microsoft.com/office/drawing/2014/main" val="587391845"/>
-                    </a:ext>
-                  </a:extLst>
-                </a:gridCol>
-                <a:gridCol w="1597742">
-                  <a:extLst>
-                    <a:ext uri="{9D8B030D-6E8A-4147-A177-3AD203B41FA5}">
-                      <a16:colId xmlns:a16="http://schemas.microsoft.com/office/drawing/2014/main" val="2397005817"/>
-                    </a:ext>
-                  </a:extLst>
-                </a:gridCol>
-                <a:gridCol w="1597742">
-                  <a:extLst>
-                    <a:ext uri="{9D8B030D-6E8A-4147-A177-3AD203B41FA5}">
-                      <a16:colId xmlns:a16="http://schemas.microsoft.com/office/drawing/2014/main" val="2977948428"/>
-                    </a:ext>
-                  </a:extLst>
-                </a:gridCol>
-                <a:gridCol w="1597742">
-                  <a:extLst>
-                    <a:ext uri="{9D8B030D-6E8A-4147-A177-3AD203B41FA5}">
-                      <a16:colId xmlns:a16="http://schemas.microsoft.com/office/drawing/2014/main" val="373563084"/>
-                    </a:ext>
-                  </a:extLst>
-                </a:gridCol>
-                <a:gridCol w="1597742">
-                  <a:extLst>
-                    <a:ext uri="{9D8B030D-6E8A-4147-A177-3AD203B41FA5}">
-                      <a16:colId xmlns:a16="http://schemas.microsoft.com/office/drawing/2014/main" val="2290863836"/>
-                    </a:ext>
-                  </a:extLst>
-                </a:gridCol>
-              </a:tblGrid>
-              <a:tr h="445823">
-                <a:tc>
-                  <a:txBody>
-                    <a:bodyPr/>
-                    <a:lstStyle/>
-                    <a:p>
-                      <a:pPr latinLnBrk="1"/>
-                      <a:r>
-                        <a:rPr lang="en-US" altLang="ko-KR" sz="1000" b="0" dirty="0"/>
-                        <a:t>Name</a:t>
-                      </a:r>
-                      <a:endParaRPr lang="ko-KR" altLang="en-US" sz="1000" b="0" dirty="0">
-                        <a:latin typeface="+mn-lt"/>
-                      </a:endParaRPr>
-                    </a:p>
-                  </a:txBody>
-                  <a:tcPr/>
-                </a:tc>
-                <a:tc>
-                  <a:txBody>
-                    <a:bodyPr/>
-                    <a:lstStyle/>
-                    <a:p>
-                      <a:pPr latinLnBrk="1"/>
-                      <a:r>
-                        <a:rPr lang="en-US" altLang="ko-KR" sz="1000" b="0" dirty="0"/>
-                        <a:t>Time (s)</a:t>
-                      </a:r>
-                      <a:endParaRPr lang="ko-KR" altLang="en-US" sz="1000" b="0" dirty="0">
-                        <a:latin typeface="+mn-lt"/>
-                      </a:endParaRPr>
-                    </a:p>
-                  </a:txBody>
-                  <a:tcPr/>
-                </a:tc>
-                <a:tc>
-                  <a:txBody>
-                    <a:bodyPr/>
-                    <a:lstStyle/>
-                    <a:p>
-                      <a:pPr latinLnBrk="1"/>
-                      <a:r>
-                        <a:rPr lang="en-US" altLang="ko-KR" sz="1000" b="0" dirty="0"/>
-                        <a:t>Roll rate</a:t>
-                      </a:r>
-                      <a:endParaRPr lang="ko-KR" altLang="en-US" sz="1000" b="0" dirty="0">
-                        <a:latin typeface="+mn-lt"/>
-                      </a:endParaRPr>
-                    </a:p>
-                  </a:txBody>
-                  <a:tcPr/>
-                </a:tc>
-                <a:tc>
-                  <a:txBody>
-                    <a:bodyPr/>
-                    <a:lstStyle/>
-                    <a:p>
-                      <a:pPr latinLnBrk="1"/>
-                      <a:r>
-                        <a:rPr lang="en-US" altLang="ko-KR" sz="1000" b="0" dirty="0"/>
-                        <a:t>Yaw rate</a:t>
-                      </a:r>
-                      <a:endParaRPr lang="ko-KR" altLang="en-US" sz="1000" b="0" dirty="0">
-                        <a:latin typeface="+mn-lt"/>
-                      </a:endParaRPr>
-                    </a:p>
-                  </a:txBody>
-                  <a:tcPr/>
-                </a:tc>
-                <a:tc>
-                  <a:txBody>
-                    <a:bodyPr/>
-                    <a:lstStyle/>
-                    <a:p>
-                      <a:pPr latinLnBrk="1"/>
-                      <a:r>
-                        <a:rPr lang="en-US" altLang="ko-KR" sz="1000" b="0" dirty="0"/>
-                        <a:t>Maximum lateral acceleration (m/s^2)</a:t>
-                      </a:r>
-                      <a:endParaRPr lang="ko-KR" altLang="en-US" sz="1000" b="0" dirty="0">
-                        <a:latin typeface="+mn-lt"/>
-                      </a:endParaRPr>
-                    </a:p>
-                  </a:txBody>
-                  <a:tcPr/>
-                </a:tc>
-                <a:tc>
-                  <a:txBody>
-                    <a:bodyPr/>
-                    <a:lstStyle/>
-                    <a:p>
-                      <a:pPr latinLnBrk="1"/>
-                      <a:r>
-                        <a:rPr lang="en-US" altLang="ko-KR" sz="1000" b="0" dirty="0">
-                          <a:latin typeface="+mn-lt"/>
-                        </a:rPr>
-                        <a:t>Cone Collision</a:t>
-                      </a:r>
-                      <a:endParaRPr lang="ko-KR" altLang="en-US" sz="1000" b="0" dirty="0">
-                        <a:latin typeface="+mn-lt"/>
-                      </a:endParaRPr>
-                    </a:p>
-                  </a:txBody>
-                  <a:tcPr/>
-                </a:tc>
-                <a:extLst>
-                  <a:ext uri="{0D108BD9-81ED-4DB2-BD59-A6C34878D82A}">
-                    <a16:rowId xmlns:a16="http://schemas.microsoft.com/office/drawing/2014/main" val="168695393"/>
-                  </a:ext>
-                </a:extLst>
-              </a:tr>
-              <a:tr h="190906">
-                <a:tc>
-                  <a:txBody>
-                    <a:bodyPr/>
-                    <a:lstStyle/>
-                    <a:p>
-                      <a:pPr latinLnBrk="1"/>
-                      <a:r>
-                        <a:rPr lang="en-US" altLang="ko-KR" sz="1050" dirty="0">
-                          <a:latin typeface="+mn-lt"/>
-                        </a:rPr>
-                        <a:t>IPG</a:t>
-                      </a:r>
-                      <a:endParaRPr lang="ko-KR" altLang="en-US" sz="1050" dirty="0">
-                        <a:latin typeface="+mn-lt"/>
-                      </a:endParaRPr>
-                    </a:p>
-                  </a:txBody>
-                  <a:tcPr/>
-                </a:tc>
-                <a:tc>
-                  <a:txBody>
-                    <a:bodyPr/>
-                    <a:lstStyle/>
-                    <a:p>
-                      <a:pPr latinLnBrk="1"/>
-                      <a:r>
-                        <a:rPr lang="en-US" altLang="ko-KR" sz="1050" dirty="0">
-                          <a:latin typeface="+mn-lt"/>
-                        </a:rPr>
-                        <a:t>175.13</a:t>
-                      </a:r>
-                      <a:endParaRPr lang="ko-KR" altLang="en-US" sz="1050" dirty="0">
-                        <a:latin typeface="+mn-lt"/>
-                      </a:endParaRPr>
-                    </a:p>
-                  </a:txBody>
-                  <a:tcPr/>
-                </a:tc>
-                <a:tc>
-                  <a:txBody>
-                    <a:bodyPr/>
-                    <a:lstStyle/>
-                    <a:p>
-                      <a:pPr latinLnBrk="1"/>
-                      <a:r>
-                        <a:rPr lang="en-US" altLang="ko-KR" sz="1050" dirty="0">
-                          <a:latin typeface="+mn-lt"/>
-                        </a:rPr>
-                        <a:t>0.000896</a:t>
-                      </a:r>
-                      <a:endParaRPr lang="ko-KR" altLang="en-US" sz="1050" dirty="0">
-                        <a:latin typeface="+mn-lt"/>
-                      </a:endParaRPr>
-                    </a:p>
-                  </a:txBody>
-                  <a:tcPr/>
-                </a:tc>
-                <a:tc>
-                  <a:txBody>
-                    <a:bodyPr/>
-                    <a:lstStyle/>
-                    <a:p>
-                      <a:pPr latinLnBrk="1"/>
-                      <a:r>
-                        <a:rPr lang="en-US" altLang="ko-KR" sz="1050" dirty="0">
-                          <a:latin typeface="+mn-lt"/>
-                        </a:rPr>
-                        <a:t>0.048501</a:t>
-                      </a:r>
-                      <a:endParaRPr lang="ko-KR" altLang="en-US" sz="1050" dirty="0">
-                        <a:latin typeface="+mn-lt"/>
-                      </a:endParaRPr>
-                    </a:p>
-                  </a:txBody>
-                  <a:tcPr/>
-                </a:tc>
-                <a:tc>
-                  <a:txBody>
-                    <a:bodyPr/>
-                    <a:lstStyle/>
-                    <a:p>
-                      <a:pPr latinLnBrk="1"/>
-                      <a:r>
-                        <a:rPr lang="en-US" altLang="ko-KR" sz="1050" dirty="0">
-                          <a:latin typeface="+mn-lt"/>
-                        </a:rPr>
-                        <a:t>0.006107</a:t>
-                      </a:r>
-                      <a:endParaRPr lang="ko-KR" altLang="en-US" sz="1050" dirty="0">
-                        <a:latin typeface="+mn-lt"/>
-                      </a:endParaRPr>
-                    </a:p>
-                  </a:txBody>
-                  <a:tcPr/>
-                </a:tc>
-                <a:tc>
-                  <a:txBody>
-                    <a:bodyPr/>
-                    <a:lstStyle/>
-                    <a:p>
-                      <a:pPr latinLnBrk="1"/>
-                      <a:r>
-                        <a:rPr lang="en-US" altLang="ko-KR" sz="1050" dirty="0">
-                          <a:latin typeface="+mn-lt"/>
-                        </a:rPr>
-                        <a:t>6</a:t>
-                      </a:r>
-                      <a:endParaRPr lang="ko-KR" altLang="en-US" sz="1050" dirty="0">
-                        <a:latin typeface="+mn-lt"/>
-                      </a:endParaRPr>
-                    </a:p>
-                  </a:txBody>
-                  <a:tcPr/>
-                </a:tc>
-                <a:extLst>
-                  <a:ext uri="{0D108BD9-81ED-4DB2-BD59-A6C34878D82A}">
-                    <a16:rowId xmlns:a16="http://schemas.microsoft.com/office/drawing/2014/main" val="332458919"/>
-                  </a:ext>
-                </a:extLst>
-              </a:tr>
-              <a:tr h="190906">
-                <a:tc>
-                  <a:txBody>
-                    <a:bodyPr/>
-                    <a:lstStyle/>
-                    <a:p>
-                      <a:pPr latinLnBrk="1"/>
-                      <a:r>
-                        <a:rPr lang="en-US" altLang="ko-KR" sz="1050" dirty="0">
-                          <a:latin typeface="+mn-lt"/>
-                        </a:rPr>
-                        <a:t>MPC</a:t>
-                      </a:r>
-                      <a:endParaRPr lang="ko-KR" altLang="en-US" sz="1050" dirty="0">
-                        <a:latin typeface="+mn-lt"/>
-                      </a:endParaRPr>
-                    </a:p>
-                  </a:txBody>
-                  <a:tcPr/>
-                </a:tc>
-                <a:tc>
-                  <a:txBody>
-                    <a:bodyPr/>
-                    <a:lstStyle/>
-                    <a:p>
-                      <a:pPr latinLnBrk="1"/>
-                      <a:r>
-                        <a:rPr lang="en-US" altLang="ko-KR" sz="1050" dirty="0">
-                          <a:latin typeface="+mn-lt"/>
-                        </a:rPr>
-                        <a:t>175.27</a:t>
-                      </a:r>
-                      <a:endParaRPr lang="ko-KR" altLang="en-US" sz="1050" dirty="0">
-                        <a:latin typeface="+mn-lt"/>
-                      </a:endParaRPr>
-                    </a:p>
-                  </a:txBody>
-                  <a:tcPr/>
-                </a:tc>
-                <a:tc>
-                  <a:txBody>
-                    <a:bodyPr/>
-                    <a:lstStyle/>
-                    <a:p>
-                      <a:pPr latinLnBrk="1"/>
-                      <a:r>
-                        <a:rPr lang="en-US" altLang="ko-KR" sz="1050" dirty="0">
-                          <a:latin typeface="+mn-lt"/>
-                        </a:rPr>
-                        <a:t>0.001010</a:t>
-                      </a:r>
-                      <a:endParaRPr lang="ko-KR" altLang="en-US" sz="1050" dirty="0">
-                        <a:latin typeface="+mn-lt"/>
-                      </a:endParaRPr>
-                    </a:p>
-                  </a:txBody>
-                  <a:tcPr/>
-                </a:tc>
-                <a:tc>
-                  <a:txBody>
-                    <a:bodyPr/>
-                    <a:lstStyle/>
-                    <a:p>
-                      <a:pPr latinLnBrk="1"/>
-                      <a:r>
-                        <a:rPr lang="en-US" altLang="ko-KR" sz="1050" dirty="0">
-                          <a:latin typeface="+mn-lt"/>
-                        </a:rPr>
-                        <a:t>0.049388</a:t>
-                      </a:r>
-                      <a:endParaRPr lang="ko-KR" altLang="en-US" sz="1050" dirty="0">
-                        <a:latin typeface="+mn-lt"/>
-                      </a:endParaRPr>
-                    </a:p>
-                  </a:txBody>
-                  <a:tcPr/>
-                </a:tc>
-                <a:tc>
-                  <a:txBody>
-                    <a:bodyPr/>
-                    <a:lstStyle/>
-                    <a:p>
-                      <a:pPr latinLnBrk="1"/>
-                      <a:r>
-                        <a:rPr lang="en-US" altLang="ko-KR" sz="1050" dirty="0">
-                          <a:latin typeface="+mn-lt"/>
-                        </a:rPr>
-                        <a:t>0.004830</a:t>
-                      </a:r>
-                      <a:endParaRPr lang="ko-KR" altLang="en-US" sz="1050" dirty="0">
-                        <a:latin typeface="+mn-lt"/>
-                      </a:endParaRPr>
-                    </a:p>
-                  </a:txBody>
-                  <a:tcPr/>
-                </a:tc>
-                <a:tc>
-                  <a:txBody>
-                    <a:bodyPr/>
-                    <a:lstStyle/>
-                    <a:p>
-                      <a:pPr latinLnBrk="1"/>
-                      <a:r>
-                        <a:rPr lang="en-US" altLang="ko-KR" sz="1050" dirty="0">
-                          <a:latin typeface="+mn-lt"/>
-                        </a:rPr>
-                        <a:t>2</a:t>
-                      </a:r>
-                      <a:endParaRPr lang="ko-KR" altLang="en-US" sz="1050" dirty="0">
-                        <a:latin typeface="+mn-lt"/>
-                      </a:endParaRPr>
-                    </a:p>
-                  </a:txBody>
-                  <a:tcPr/>
-                </a:tc>
-                <a:extLst>
-                  <a:ext uri="{0D108BD9-81ED-4DB2-BD59-A6C34878D82A}">
-                    <a16:rowId xmlns:a16="http://schemas.microsoft.com/office/drawing/2014/main" val="2469210620"/>
-                  </a:ext>
-                </a:extLst>
-              </a:tr>
-              <a:tr h="190906">
-                <a:tc>
-                  <a:txBody>
-                    <a:bodyPr/>
-                    <a:lstStyle/>
-                    <a:p>
-                      <a:pPr latinLnBrk="1"/>
-                      <a:r>
-                        <a:rPr lang="en-US" altLang="ko-KR" sz="1050" dirty="0" err="1">
-                          <a:latin typeface="+mn-lt"/>
-                        </a:rPr>
-                        <a:t>Comparision</a:t>
-                      </a:r>
-                      <a:endParaRPr lang="ko-KR" altLang="en-US" sz="1050" dirty="0">
-                        <a:latin typeface="+mn-lt"/>
-                      </a:endParaRPr>
-                    </a:p>
-                  </a:txBody>
-                  <a:tcPr/>
-                </a:tc>
-                <a:tc>
-                  <a:txBody>
-                    <a:bodyPr/>
-                    <a:lstStyle/>
-                    <a:p>
-                      <a:pPr latinLnBrk="1"/>
-                      <a:r>
-                        <a:rPr lang="en-US" altLang="ko-KR" sz="1050" dirty="0">
-                          <a:latin typeface="+mn-lt"/>
-                        </a:rPr>
-                        <a:t>0.079941</a:t>
-                      </a:r>
-                      <a:endParaRPr lang="ko-KR" altLang="en-US" sz="1050" dirty="0">
-                        <a:latin typeface="+mn-lt"/>
-                      </a:endParaRPr>
-                    </a:p>
-                  </a:txBody>
-                  <a:tcPr/>
-                </a:tc>
-                <a:tc>
-                  <a:txBody>
-                    <a:bodyPr/>
-                    <a:lstStyle/>
-                    <a:p>
-                      <a:pPr latinLnBrk="1"/>
-                      <a:r>
-                        <a:rPr lang="en-US" altLang="ko-KR" sz="1050" dirty="0">
-                          <a:latin typeface="+mn-lt"/>
-                        </a:rPr>
-                        <a:t>102.6989</a:t>
-                      </a:r>
-                      <a:endParaRPr lang="ko-KR" altLang="en-US" sz="1050" dirty="0">
-                        <a:latin typeface="+mn-lt"/>
-                      </a:endParaRPr>
-                    </a:p>
-                  </a:txBody>
-                  <a:tcPr/>
-                </a:tc>
-                <a:tc>
-                  <a:txBody>
-                    <a:bodyPr/>
-                    <a:lstStyle/>
-                    <a:p>
-                      <a:pPr latinLnBrk="1"/>
-                      <a:r>
-                        <a:rPr lang="en-US" altLang="ko-KR" sz="1050" dirty="0">
-                          <a:latin typeface="+mn-lt"/>
-                        </a:rPr>
-                        <a:t>1.828120</a:t>
-                      </a:r>
-                      <a:endParaRPr lang="ko-KR" altLang="en-US" sz="1050" dirty="0">
-                        <a:latin typeface="+mn-lt"/>
-                      </a:endParaRPr>
-                    </a:p>
-                  </a:txBody>
-                  <a:tcPr/>
-                </a:tc>
-                <a:tc>
-                  <a:txBody>
-                    <a:bodyPr/>
-                    <a:lstStyle/>
-                    <a:p>
-                      <a:pPr latinLnBrk="1"/>
-                      <a:r>
-                        <a:rPr lang="en-US" altLang="ko-KR" sz="1050" dirty="0">
-                          <a:latin typeface="+mn-lt"/>
-                        </a:rPr>
-                        <a:t>-20.9104</a:t>
-                      </a:r>
-                      <a:endParaRPr lang="ko-KR" altLang="en-US" sz="1050" dirty="0">
-                        <a:latin typeface="+mn-lt"/>
-                      </a:endParaRPr>
-                    </a:p>
-                  </a:txBody>
-                  <a:tcPr/>
-                </a:tc>
-                <a:tc>
-                  <a:txBody>
-                    <a:bodyPr/>
-                    <a:lstStyle/>
-                    <a:p>
-                      <a:pPr latinLnBrk="1"/>
-                      <a:r>
-                        <a:rPr lang="en-US" altLang="ko-KR" sz="1050" dirty="0">
-                          <a:latin typeface="+mn-lt"/>
-                        </a:rPr>
-                        <a:t>-4</a:t>
-                      </a:r>
-                      <a:endParaRPr lang="ko-KR" altLang="en-US" sz="1050" dirty="0">
-                        <a:latin typeface="+mn-lt"/>
-                      </a:endParaRPr>
-                    </a:p>
-                  </a:txBody>
-                  <a:tcPr/>
-                </a:tc>
-                <a:extLst>
-                  <a:ext uri="{0D108BD9-81ED-4DB2-BD59-A6C34878D82A}">
-                    <a16:rowId xmlns:a16="http://schemas.microsoft.com/office/drawing/2014/main" val="2687899568"/>
-                  </a:ext>
-                </a:extLst>
-              </a:tr>
-            </a:tbl>
-          </a:graphicData>
-        </a:graphic>
-      </p:graphicFrame>
+            <a:endParaRPr lang="ko-KR" altLang="en-US"/>
+          </a:p>
+        </p:txBody>
+      </p:sp>
       <p:pic>
         <p:nvPicPr>
-          <p:cNvPr id="11" name="그림 10">
-            <a:extLst>
-              <a:ext uri="{FF2B5EF4-FFF2-40B4-BE49-F238E27FC236}">
-                <a16:creationId xmlns:a16="http://schemas.microsoft.com/office/drawing/2014/main" id="{4666AC97-1C5B-65F6-3628-3E4F9DCB016B}"/>
+          <p:cNvPr id="7" name="내용 개체 틀 6">
+            <a:extLst>
+              <a:ext uri="{FF2B5EF4-FFF2-40B4-BE49-F238E27FC236}">
+                <a16:creationId xmlns:a16="http://schemas.microsoft.com/office/drawing/2014/main" id="{051EB2AD-7150-3C24-2F52-BDB19FA00834}"/>
               </a:ext>
             </a:extLst>
           </p:cNvPr>
           <p:cNvPicPr>
-            <a:picLocks noChangeAspect="1"/>
+            <a:picLocks noGrp="1" noChangeAspect="1"/>
           </p:cNvPicPr>
-          <p:nvPr/>
+          <p:nvPr>
+            <p:ph idx="1"/>
+          </p:nvPr>
         </p:nvPicPr>
         <p:blipFill>
           <a:blip r:embed="rId2"/>
@@ -6160,23 +6566,15 @@
         </p:blipFill>
         <p:spPr>
           <a:xfrm>
-            <a:off x="2058873" y="2642008"/>
-            <a:ext cx="7686860" cy="4084219"/>
+            <a:off x="2050597" y="1825625"/>
+            <a:ext cx="7701868" cy="4351338"/>
           </a:xfrm>
-          <a:prstGeom prst="rect">
-            <a:avLst/>
-          </a:prstGeom>
-          <a:ln>
-            <a:solidFill>
-              <a:schemeClr val="tx1"/>
-            </a:solidFill>
-          </a:ln>
         </p:spPr>
       </p:pic>
     </p:spTree>
     <p:extLst>
       <p:ext uri="{BB962C8B-B14F-4D97-AF65-F5344CB8AC3E}">
-        <p14:creationId xmlns:p14="http://schemas.microsoft.com/office/powerpoint/2010/main" val="1049183203"/>
+        <p14:creationId xmlns:p14="http://schemas.microsoft.com/office/powerpoint/2010/main" val="3248283814"/>
       </p:ext>
     </p:extLst>
   </p:cSld>

--- a/1219Report_UturnMPC/1219Report.pptx
+++ b/1219Report_UturnMPC/1219Report.pptx
@@ -11,13 +11,14 @@
     <p:sldId id="258" r:id="rId5"/>
     <p:sldId id="259" r:id="rId6"/>
     <p:sldId id="262" r:id="rId7"/>
-    <p:sldId id="264" r:id="rId8"/>
-    <p:sldId id="266" r:id="rId9"/>
-    <p:sldId id="265" r:id="rId10"/>
-    <p:sldId id="263" r:id="rId11"/>
-    <p:sldId id="267" r:id="rId12"/>
-    <p:sldId id="268" r:id="rId13"/>
-    <p:sldId id="269" r:id="rId14"/>
+    <p:sldId id="271" r:id="rId8"/>
+    <p:sldId id="264" r:id="rId9"/>
+    <p:sldId id="266" r:id="rId10"/>
+    <p:sldId id="265" r:id="rId11"/>
+    <p:sldId id="263" r:id="rId12"/>
+    <p:sldId id="267" r:id="rId13"/>
+    <p:sldId id="268" r:id="rId14"/>
+    <p:sldId id="269" r:id="rId15"/>
   </p:sldIdLst>
   <p:sldSz cx="12192000" cy="6858000"/>
   <p:notesSz cx="6858000" cy="9144000"/>
@@ -3504,6 +3505,90 @@
           <p:cNvPr id="2" name="제목 1">
             <a:extLst>
               <a:ext uri="{FF2B5EF4-FFF2-40B4-BE49-F238E27FC236}">
+                <a16:creationId xmlns:a16="http://schemas.microsoft.com/office/drawing/2014/main" id="{06CE5658-2AFD-6500-304F-231C2065DB2F}"/>
+              </a:ext>
+            </a:extLst>
+          </p:cNvPr>
+          <p:cNvSpPr>
+            <a:spLocks noGrp="1"/>
+          </p:cNvSpPr>
+          <p:nvPr>
+            <p:ph type="title"/>
+          </p:nvPr>
+        </p:nvSpPr>
+        <p:spPr/>
+        <p:txBody>
+          <a:bodyPr/>
+          <a:lstStyle/>
+          <a:p>
+            <a:endParaRPr lang="ko-KR" altLang="en-US"/>
+          </a:p>
+        </p:txBody>
+      </p:sp>
+      <p:pic>
+        <p:nvPicPr>
+          <p:cNvPr id="7" name="내용 개체 틀 6">
+            <a:extLst>
+              <a:ext uri="{FF2B5EF4-FFF2-40B4-BE49-F238E27FC236}">
+                <a16:creationId xmlns:a16="http://schemas.microsoft.com/office/drawing/2014/main" id="{051EB2AD-7150-3C24-2F52-BDB19FA00834}"/>
+              </a:ext>
+            </a:extLst>
+          </p:cNvPr>
+          <p:cNvPicPr>
+            <a:picLocks noGrp="1" noChangeAspect="1"/>
+          </p:cNvPicPr>
+          <p:nvPr>
+            <p:ph idx="1"/>
+          </p:nvPr>
+        </p:nvPicPr>
+        <p:blipFill>
+          <a:blip r:embed="rId2"/>
+          <a:stretch>
+            <a:fillRect/>
+          </a:stretch>
+        </p:blipFill>
+        <p:spPr>
+          <a:xfrm>
+            <a:off x="2050597" y="1825625"/>
+            <a:ext cx="7701868" cy="4351338"/>
+          </a:xfrm>
+        </p:spPr>
+      </p:pic>
+    </p:spTree>
+    <p:extLst>
+      <p:ext uri="{BB962C8B-B14F-4D97-AF65-F5344CB8AC3E}">
+        <p14:creationId xmlns:p14="http://schemas.microsoft.com/office/powerpoint/2010/main" val="3248283814"/>
+      </p:ext>
+    </p:extLst>
+  </p:cSld>
+  <p:clrMapOvr>
+    <a:masterClrMapping/>
+  </p:clrMapOvr>
+</p:sld>
+</file>
+
+<file path=ppt/slides/slide11.xml><?xml version="1.0" encoding="utf-8"?>
+<p:sld xmlns:a="http://schemas.openxmlformats.org/drawingml/2006/main" xmlns:r="http://schemas.openxmlformats.org/officeDocument/2006/relationships" xmlns:p="http://schemas.openxmlformats.org/presentationml/2006/main">
+  <p:cSld>
+    <p:spTree>
+      <p:nvGrpSpPr>
+        <p:cNvPr id="1" name=""/>
+        <p:cNvGrpSpPr/>
+        <p:nvPr/>
+      </p:nvGrpSpPr>
+      <p:grpSpPr>
+        <a:xfrm>
+          <a:off x="0" y="0"/>
+          <a:ext cx="0" cy="0"/>
+          <a:chOff x="0" y="0"/>
+          <a:chExt cx="0" cy="0"/>
+        </a:xfrm>
+      </p:grpSpPr>
+      <p:sp>
+        <p:nvSpPr>
+          <p:cNvPr id="2" name="제목 1">
+            <a:extLst>
+              <a:ext uri="{FF2B5EF4-FFF2-40B4-BE49-F238E27FC236}">
                 <a16:creationId xmlns:a16="http://schemas.microsoft.com/office/drawing/2014/main" id="{53C45EBD-9EC1-4337-D5EA-376E687D6258}"/>
               </a:ext>
             </a:extLst>
@@ -4285,7 +4370,7 @@
 </p:sld>
 </file>
 
-<file path=ppt/slides/slide11.xml><?xml version="1.0" encoding="utf-8"?>
+<file path=ppt/slides/slide12.xml><?xml version="1.0" encoding="utf-8"?>
 <p:sld xmlns:a="http://schemas.openxmlformats.org/drawingml/2006/main" xmlns:r="http://schemas.openxmlformats.org/officeDocument/2006/relationships" xmlns:p="http://schemas.openxmlformats.org/presentationml/2006/main">
   <p:cSld>
     <p:spTree>
@@ -4374,7 +4459,7 @@
 </p:sld>
 </file>
 
-<file path=ppt/slides/slide12.xml><?xml version="1.0" encoding="utf-8"?>
+<file path=ppt/slides/slide13.xml><?xml version="1.0" encoding="utf-8"?>
 <p:sld xmlns:a="http://schemas.openxmlformats.org/drawingml/2006/main" xmlns:r="http://schemas.openxmlformats.org/officeDocument/2006/relationships" xmlns:p="http://schemas.openxmlformats.org/presentationml/2006/main">
   <p:cSld>
     <p:spTree>
@@ -4463,7 +4548,7 @@
 </p:sld>
 </file>
 
-<file path=ppt/slides/slide13.xml><?xml version="1.0" encoding="utf-8"?>
+<file path=ppt/slides/slide14.xml><?xml version="1.0" encoding="utf-8"?>
 <p:sld xmlns:a="http://schemas.openxmlformats.org/drawingml/2006/main" xmlns:r="http://schemas.openxmlformats.org/officeDocument/2006/relationships" xmlns:p="http://schemas.openxmlformats.org/presentationml/2006/main">
   <p:cSld>
     <p:spTree>
@@ -6349,6 +6434,96 @@
           <a:chExt cx="0" cy="0"/>
         </a:xfrm>
       </p:grpSpPr>
+      <p:pic>
+        <p:nvPicPr>
+          <p:cNvPr id="7" name="그림 6">
+            <a:extLst>
+              <a:ext uri="{FF2B5EF4-FFF2-40B4-BE49-F238E27FC236}">
+                <a16:creationId xmlns:a16="http://schemas.microsoft.com/office/drawing/2014/main" id="{E8687368-B010-FD35-E541-35E314551A0D}"/>
+              </a:ext>
+            </a:extLst>
+          </p:cNvPr>
+          <p:cNvPicPr>
+            <a:picLocks noChangeAspect="1"/>
+          </p:cNvPicPr>
+          <p:nvPr/>
+        </p:nvPicPr>
+        <p:blipFill>
+          <a:blip r:embed="rId2"/>
+          <a:stretch>
+            <a:fillRect/>
+          </a:stretch>
+        </p:blipFill>
+        <p:spPr>
+          <a:xfrm>
+            <a:off x="1096067" y="-592698"/>
+            <a:ext cx="10406122" cy="5745951"/>
+          </a:xfrm>
+          <a:prstGeom prst="rect">
+            <a:avLst/>
+          </a:prstGeom>
+        </p:spPr>
+      </p:pic>
+      <p:pic>
+        <p:nvPicPr>
+          <p:cNvPr id="11" name="그림 10">
+            <a:extLst>
+              <a:ext uri="{FF2B5EF4-FFF2-40B4-BE49-F238E27FC236}">
+                <a16:creationId xmlns:a16="http://schemas.microsoft.com/office/drawing/2014/main" id="{2F5E70B1-76BC-4522-7A85-8F0D7CC8706E}"/>
+              </a:ext>
+            </a:extLst>
+          </p:cNvPr>
+          <p:cNvPicPr>
+            <a:picLocks noChangeAspect="1"/>
+          </p:cNvPicPr>
+          <p:nvPr/>
+        </p:nvPicPr>
+        <p:blipFill>
+          <a:blip r:embed="rId3"/>
+          <a:stretch>
+            <a:fillRect/>
+          </a:stretch>
+        </p:blipFill>
+        <p:spPr>
+          <a:xfrm>
+            <a:off x="4703525" y="5153253"/>
+            <a:ext cx="3030497" cy="2204318"/>
+          </a:xfrm>
+          <a:prstGeom prst="rect">
+            <a:avLst/>
+          </a:prstGeom>
+        </p:spPr>
+      </p:pic>
+    </p:spTree>
+    <p:extLst>
+      <p:ext uri="{BB962C8B-B14F-4D97-AF65-F5344CB8AC3E}">
+        <p14:creationId xmlns:p14="http://schemas.microsoft.com/office/powerpoint/2010/main" val="636693501"/>
+      </p:ext>
+    </p:extLst>
+  </p:cSld>
+  <p:clrMapOvr>
+    <a:masterClrMapping/>
+  </p:clrMapOvr>
+</p:sld>
+</file>
+
+<file path=ppt/slides/slide8.xml><?xml version="1.0" encoding="utf-8"?>
+<p:sld xmlns:a="http://schemas.openxmlformats.org/drawingml/2006/main" xmlns:r="http://schemas.openxmlformats.org/officeDocument/2006/relationships" xmlns:p="http://schemas.openxmlformats.org/presentationml/2006/main">
+  <p:cSld>
+    <p:spTree>
+      <p:nvGrpSpPr>
+        <p:cNvPr id="1" name=""/>
+        <p:cNvGrpSpPr/>
+        <p:nvPr/>
+      </p:nvGrpSpPr>
+      <p:grpSpPr>
+        <a:xfrm>
+          <a:off x="0" y="0"/>
+          <a:ext cx="0" cy="0"/>
+          <a:chOff x="0" y="0"/>
+          <a:chExt cx="0" cy="0"/>
+        </a:xfrm>
+      </p:grpSpPr>
       <p:sp>
         <p:nvSpPr>
           <p:cNvPr id="2" name="제목 1">
@@ -6416,7 +6591,7 @@
 </p:sld>
 </file>
 
-<file path=ppt/slides/slide8.xml><?xml version="1.0" encoding="utf-8"?>
+<file path=ppt/slides/slide9.xml><?xml version="1.0" encoding="utf-8"?>
 <p:sld xmlns:a="http://schemas.openxmlformats.org/drawingml/2006/main" xmlns:r="http://schemas.openxmlformats.org/officeDocument/2006/relationships" xmlns:p="http://schemas.openxmlformats.org/presentationml/2006/main">
   <p:cSld>
     <p:spTree>
@@ -6491,90 +6666,6 @@
     <p:extLst>
       <p:ext uri="{BB962C8B-B14F-4D97-AF65-F5344CB8AC3E}">
         <p14:creationId xmlns:p14="http://schemas.microsoft.com/office/powerpoint/2010/main" val="4033490373"/>
-      </p:ext>
-    </p:extLst>
-  </p:cSld>
-  <p:clrMapOvr>
-    <a:masterClrMapping/>
-  </p:clrMapOvr>
-</p:sld>
-</file>
-
-<file path=ppt/slides/slide9.xml><?xml version="1.0" encoding="utf-8"?>
-<p:sld xmlns:a="http://schemas.openxmlformats.org/drawingml/2006/main" xmlns:r="http://schemas.openxmlformats.org/officeDocument/2006/relationships" xmlns:p="http://schemas.openxmlformats.org/presentationml/2006/main">
-  <p:cSld>
-    <p:spTree>
-      <p:nvGrpSpPr>
-        <p:cNvPr id="1" name=""/>
-        <p:cNvGrpSpPr/>
-        <p:nvPr/>
-      </p:nvGrpSpPr>
-      <p:grpSpPr>
-        <a:xfrm>
-          <a:off x="0" y="0"/>
-          <a:ext cx="0" cy="0"/>
-          <a:chOff x="0" y="0"/>
-          <a:chExt cx="0" cy="0"/>
-        </a:xfrm>
-      </p:grpSpPr>
-      <p:sp>
-        <p:nvSpPr>
-          <p:cNvPr id="2" name="제목 1">
-            <a:extLst>
-              <a:ext uri="{FF2B5EF4-FFF2-40B4-BE49-F238E27FC236}">
-                <a16:creationId xmlns:a16="http://schemas.microsoft.com/office/drawing/2014/main" id="{06CE5658-2AFD-6500-304F-231C2065DB2F}"/>
-              </a:ext>
-            </a:extLst>
-          </p:cNvPr>
-          <p:cNvSpPr>
-            <a:spLocks noGrp="1"/>
-          </p:cNvSpPr>
-          <p:nvPr>
-            <p:ph type="title"/>
-          </p:nvPr>
-        </p:nvSpPr>
-        <p:spPr/>
-        <p:txBody>
-          <a:bodyPr/>
-          <a:lstStyle/>
-          <a:p>
-            <a:endParaRPr lang="ko-KR" altLang="en-US"/>
-          </a:p>
-        </p:txBody>
-      </p:sp>
-      <p:pic>
-        <p:nvPicPr>
-          <p:cNvPr id="7" name="내용 개체 틀 6">
-            <a:extLst>
-              <a:ext uri="{FF2B5EF4-FFF2-40B4-BE49-F238E27FC236}">
-                <a16:creationId xmlns:a16="http://schemas.microsoft.com/office/drawing/2014/main" id="{051EB2AD-7150-3C24-2F52-BDB19FA00834}"/>
-              </a:ext>
-            </a:extLst>
-          </p:cNvPr>
-          <p:cNvPicPr>
-            <a:picLocks noGrp="1" noChangeAspect="1"/>
-          </p:cNvPicPr>
-          <p:nvPr>
-            <p:ph idx="1"/>
-          </p:nvPr>
-        </p:nvPicPr>
-        <p:blipFill>
-          <a:blip r:embed="rId2"/>
-          <a:stretch>
-            <a:fillRect/>
-          </a:stretch>
-        </p:blipFill>
-        <p:spPr>
-          <a:xfrm>
-            <a:off x="2050597" y="1825625"/>
-            <a:ext cx="7701868" cy="4351338"/>
-          </a:xfrm>
-        </p:spPr>
-      </p:pic>
-    </p:spTree>
-    <p:extLst>
-      <p:ext uri="{BB962C8B-B14F-4D97-AF65-F5344CB8AC3E}">
-        <p14:creationId xmlns:p14="http://schemas.microsoft.com/office/powerpoint/2010/main" val="3248283814"/>
       </p:ext>
     </p:extLst>
   </p:cSld>
